--- a/Diabetes Prediction.pptx
+++ b/Diabetes Prediction.pptx
@@ -14,17 +14,11 @@
     <p:sldId id="258" r:id="rId8"/>
     <p:sldId id="286" r:id="rId9"/>
     <p:sldId id="283" r:id="rId10"/>
-    <p:sldId id="293" r:id="rId11"/>
-    <p:sldId id="282" r:id="rId12"/>
-    <p:sldId id="294" r:id="rId13"/>
-    <p:sldId id="285" r:id="rId14"/>
-    <p:sldId id="295" r:id="rId15"/>
-    <p:sldId id="280" r:id="rId16"/>
-    <p:sldId id="291" r:id="rId17"/>
-    <p:sldId id="288" r:id="rId18"/>
-    <p:sldId id="287" r:id="rId19"/>
-    <p:sldId id="289" r:id="rId20"/>
-    <p:sldId id="292" r:id="rId21"/>
+    <p:sldId id="282" r:id="rId11"/>
+    <p:sldId id="295" r:id="rId12"/>
+    <p:sldId id="280" r:id="rId13"/>
+    <p:sldId id="291" r:id="rId14"/>
+    <p:sldId id="288" r:id="rId15"/>
   </p:sldIdLst>
   <p:sldSz cx="12192000" cy="6858000"/>
   <p:notesSz cx="6858000" cy="9144000"/>
@@ -3803,896 +3797,6 @@
           <p:cNvPr id="2" name="Title 1">
             <a:extLst>
               <a:ext uri="{FF2B5EF4-FFF2-40B4-BE49-F238E27FC236}">
-                <a16:creationId xmlns:a16="http://schemas.microsoft.com/office/drawing/2014/main" id="{969A054B-3877-46B2-9DB3-7ABAFC3F214F}"/>
-              </a:ext>
-            </a:extLst>
-          </p:cNvPr>
-          <p:cNvSpPr>
-            <a:spLocks noGrp="1"/>
-          </p:cNvSpPr>
-          <p:nvPr>
-            <p:ph type="title"/>
-          </p:nvPr>
-        </p:nvSpPr>
-        <p:spPr>
-          <a:xfrm>
-            <a:off x="121542" y="183326"/>
-            <a:ext cx="9603275" cy="1049235"/>
-          </a:xfrm>
-        </p:spPr>
-        <p:txBody>
-          <a:bodyPr/>
-          <a:lstStyle/>
-          <a:p>
-            <a:r>
-              <a:rPr lang="en-US" dirty="0"/>
-              <a:t>Selecting Features FAT </a:t>
-            </a:r>
-            <a:endParaRPr lang="en-ID" dirty="0"/>
-          </a:p>
-        </p:txBody>
-      </p:sp>
-      <p:graphicFrame>
-        <p:nvGraphicFramePr>
-          <p:cNvPr id="4" name="Table 4">
-            <a:extLst>
-              <a:ext uri="{FF2B5EF4-FFF2-40B4-BE49-F238E27FC236}">
-                <a16:creationId xmlns:a16="http://schemas.microsoft.com/office/drawing/2014/main" id="{5193E8A7-0641-4717-A1FE-7C8A01FED954}"/>
-              </a:ext>
-            </a:extLst>
-          </p:cNvPr>
-          <p:cNvGraphicFramePr>
-            <a:graphicFrameLocks noGrp="1"/>
-          </p:cNvGraphicFramePr>
-          <p:nvPr>
-            <p:ph idx="1"/>
-            <p:extLst>
-              <p:ext uri="{D42A27DB-BD31-4B8C-83A1-F6EECF244321}">
-                <p14:modId xmlns:p14="http://schemas.microsoft.com/office/powerpoint/2010/main" val="241862546"/>
-              </p:ext>
-            </p:extLst>
-          </p:nvPr>
-        </p:nvGraphicFramePr>
-        <p:xfrm>
-          <a:off x="648393" y="707942"/>
-          <a:ext cx="10789917" cy="5616721"/>
-        </p:xfrm>
-        <a:graphic>
-          <a:graphicData uri="http://schemas.openxmlformats.org/drawingml/2006/table">
-            <a:tbl>
-              <a:tblPr firstRow="1" bandRow="1">
-                <a:tableStyleId>{5C22544A-7EE6-4342-B048-85BDC9FD1C3A}</a:tableStyleId>
-              </a:tblPr>
-              <a:tblGrid>
-                <a:gridCol w="3596639">
-                  <a:extLst>
-                    <a:ext uri="{9D8B030D-6E8A-4147-A177-3AD203B41FA5}">
-                      <a16:colId xmlns:a16="http://schemas.microsoft.com/office/drawing/2014/main" val="2606627825"/>
-                    </a:ext>
-                  </a:extLst>
-                </a:gridCol>
-                <a:gridCol w="3596639">
-                  <a:extLst>
-                    <a:ext uri="{9D8B030D-6E8A-4147-A177-3AD203B41FA5}">
-                      <a16:colId xmlns:a16="http://schemas.microsoft.com/office/drawing/2014/main" val="521084723"/>
-                    </a:ext>
-                  </a:extLst>
-                </a:gridCol>
-                <a:gridCol w="3596639">
-                  <a:extLst>
-                    <a:ext uri="{9D8B030D-6E8A-4147-A177-3AD203B41FA5}">
-                      <a16:colId xmlns:a16="http://schemas.microsoft.com/office/drawing/2014/main" val="3890875902"/>
-                    </a:ext>
-                  </a:extLst>
-                </a:gridCol>
-              </a:tblGrid>
-              <a:tr h="413428">
-                <a:tc>
-                  <a:txBody>
-                    <a:bodyPr/>
-                    <a:lstStyle/>
-                    <a:p>
-                      <a:r>
-                        <a:rPr lang="en-US" dirty="0"/>
-                        <a:t>Criteria Selecting Features</a:t>
-                      </a:r>
-                      <a:endParaRPr lang="en-ID" dirty="0"/>
-                    </a:p>
-                  </a:txBody>
-                  <a:tcPr/>
-                </a:tc>
-                <a:tc>
-                  <a:txBody>
-                    <a:bodyPr/>
-                    <a:lstStyle/>
-                    <a:p>
-                      <a:pPr marL="0" marR="0" lvl="0" indent="0" algn="l" defTabSz="914400" rtl="0" eaLnBrk="1" fontAlgn="auto" latinLnBrk="0" hangingPunct="1">
-                        <a:lnSpc>
-                          <a:spcPct val="100000"/>
-                        </a:lnSpc>
-                        <a:spcBef>
-                          <a:spcPts val="0"/>
-                        </a:spcBef>
-                        <a:spcAft>
-                          <a:spcPts val="0"/>
-                        </a:spcAft>
-                        <a:buClrTx/>
-                        <a:buSzTx/>
-                        <a:buFontTx/>
-                        <a:buNone/>
-                        <a:tabLst/>
-                        <a:defRPr/>
-                      </a:pPr>
-                      <a:r>
-                        <a:rPr lang="en-US" dirty="0"/>
-                        <a:t>Case1 (Risk Diabetes)</a:t>
-                      </a:r>
-                      <a:endParaRPr lang="en-ID" dirty="0"/>
-                    </a:p>
-                  </a:txBody>
-                  <a:tcPr/>
-                </a:tc>
-                <a:tc>
-                  <a:txBody>
-                    <a:bodyPr/>
-                    <a:lstStyle/>
-                    <a:p>
-                      <a:r>
-                        <a:rPr lang="en-US" dirty="0"/>
-                        <a:t>Case2 (Risk Prediabetes/ </a:t>
-                      </a:r>
-                      <a:r>
-                        <a:rPr lang="en-US" dirty="0" err="1"/>
-                        <a:t>Undiagnose</a:t>
-                      </a:r>
-                      <a:r>
-                        <a:rPr lang="en-US" dirty="0"/>
-                        <a:t> Diabetes)</a:t>
-                      </a:r>
-                      <a:endParaRPr lang="en-ID" dirty="0"/>
-                    </a:p>
-                  </a:txBody>
-                  <a:tcPr/>
-                </a:tc>
-                <a:extLst>
-                  <a:ext uri="{0D108BD9-81ED-4DB2-BD59-A6C34878D82A}">
-                    <a16:rowId xmlns:a16="http://schemas.microsoft.com/office/drawing/2014/main" val="3106489214"/>
-                  </a:ext>
-                </a:extLst>
-              </a:tr>
-              <a:tr h="419171">
-                <a:tc rowSpan="12">
-                  <a:txBody>
-                    <a:bodyPr/>
-                    <a:lstStyle/>
-                    <a:p>
-                      <a:pPr marL="285750" indent="-285750">
-                        <a:buFontTx/>
-                        <a:buChar char="-"/>
-                      </a:pPr>
-                      <a:r>
-                        <a:rPr lang="en-US" dirty="0"/>
-                        <a:t>Minimal Missing Values</a:t>
-                      </a:r>
-                    </a:p>
-                    <a:p>
-                      <a:pPr marL="285750" indent="-285750">
-                        <a:buFontTx/>
-                        <a:buChar char="-"/>
-                      </a:pPr>
-                      <a:r>
-                        <a:rPr lang="en-US" dirty="0" err="1"/>
-                        <a:t>Peforma</a:t>
-                      </a:r>
-                      <a:r>
-                        <a:rPr lang="en-US" dirty="0"/>
-                        <a:t> Model</a:t>
-                      </a:r>
-                    </a:p>
-                    <a:p>
-                      <a:pPr marL="285750" indent="-285750">
-                        <a:buFontTx/>
-                        <a:buChar char="-"/>
-                      </a:pPr>
-                      <a:r>
-                        <a:rPr lang="en-US" dirty="0"/>
-                        <a:t>Minimal Features which does not reduce the model's performance</a:t>
-                      </a:r>
-                    </a:p>
-                  </a:txBody>
-                  <a:tcPr/>
-                </a:tc>
-                <a:tc>
-                  <a:txBody>
-                    <a:bodyPr/>
-                    <a:lstStyle/>
-                    <a:p>
-                      <a:r>
-                        <a:rPr lang="en-ID"/>
-                        <a:t>arthritis</a:t>
-                      </a:r>
-                      <a:endParaRPr lang="en-ID" dirty="0"/>
-                    </a:p>
-                  </a:txBody>
-                  <a:tcPr/>
-                </a:tc>
-                <a:tc>
-                  <a:txBody>
-                    <a:bodyPr/>
-                    <a:lstStyle/>
-                    <a:p>
-                      <a:r>
-                        <a:rPr lang="en-ID" dirty="0"/>
-                        <a:t>arthritis</a:t>
-                      </a:r>
-                    </a:p>
-                  </a:txBody>
-                  <a:tcPr/>
-                </a:tc>
-                <a:extLst>
-                  <a:ext uri="{0D108BD9-81ED-4DB2-BD59-A6C34878D82A}">
-                    <a16:rowId xmlns:a16="http://schemas.microsoft.com/office/drawing/2014/main" val="440333179"/>
-                  </a:ext>
-                </a:extLst>
-              </a:tr>
-              <a:tr h="419171">
-                <a:tc vMerge="1">
-                  <a:txBody>
-                    <a:bodyPr/>
-                    <a:lstStyle/>
-                    <a:p>
-                      <a:endParaRPr lang="en-ID" dirty="0"/>
-                    </a:p>
-                  </a:txBody>
-                  <a:tcPr/>
-                </a:tc>
-                <a:tc>
-                  <a:txBody>
-                    <a:bodyPr/>
-                    <a:lstStyle/>
-                    <a:p>
-                      <a:r>
-                        <a:rPr lang="en-ID" dirty="0" err="1"/>
-                        <a:t>diabetic_relative</a:t>
-                      </a:r>
-                      <a:endParaRPr lang="en-ID" dirty="0"/>
-                    </a:p>
-                  </a:txBody>
-                  <a:tcPr/>
-                </a:tc>
-                <a:tc>
-                  <a:txBody>
-                    <a:bodyPr/>
-                    <a:lstStyle/>
-                    <a:p>
-                      <a:pPr marL="0" marR="0" lvl="0" indent="0" algn="l" defTabSz="914400" rtl="0" eaLnBrk="1" fontAlgn="auto" latinLnBrk="0" hangingPunct="1">
-                        <a:lnSpc>
-                          <a:spcPct val="100000"/>
-                        </a:lnSpc>
-                        <a:spcBef>
-                          <a:spcPts val="0"/>
-                        </a:spcBef>
-                        <a:spcAft>
-                          <a:spcPts val="0"/>
-                        </a:spcAft>
-                        <a:buClrTx/>
-                        <a:buSzTx/>
-                        <a:buFontTx/>
-                        <a:buNone/>
-                        <a:tabLst/>
-                        <a:defRPr/>
-                      </a:pPr>
-                      <a:r>
-                        <a:rPr lang="en-ID" dirty="0"/>
-                        <a:t>overweight</a:t>
-                      </a:r>
-                    </a:p>
-                  </a:txBody>
-                  <a:tcPr/>
-                </a:tc>
-                <a:extLst>
-                  <a:ext uri="{0D108BD9-81ED-4DB2-BD59-A6C34878D82A}">
-                    <a16:rowId xmlns:a16="http://schemas.microsoft.com/office/drawing/2014/main" val="1420233025"/>
-                  </a:ext>
-                </a:extLst>
-              </a:tr>
-              <a:tr h="419171">
-                <a:tc vMerge="1">
-                  <a:txBody>
-                    <a:bodyPr/>
-                    <a:lstStyle/>
-                    <a:p>
-                      <a:endParaRPr lang="en-ID" dirty="0"/>
-                    </a:p>
-                  </a:txBody>
-                  <a:tcPr/>
-                </a:tc>
-                <a:tc>
-                  <a:txBody>
-                    <a:bodyPr/>
-                    <a:lstStyle/>
-                    <a:p>
-                      <a:r>
-                        <a:rPr lang="en-ID" dirty="0"/>
-                        <a:t>overweight</a:t>
-                      </a:r>
-                    </a:p>
-                  </a:txBody>
-                  <a:tcPr/>
-                </a:tc>
-                <a:tc>
-                  <a:txBody>
-                    <a:bodyPr/>
-                    <a:lstStyle/>
-                    <a:p>
-                      <a:pPr marL="0" marR="0" lvl="0" indent="0" algn="l" defTabSz="914400" rtl="0" eaLnBrk="1" fontAlgn="auto" latinLnBrk="0" hangingPunct="1">
-                        <a:lnSpc>
-                          <a:spcPct val="100000"/>
-                        </a:lnSpc>
-                        <a:spcBef>
-                          <a:spcPts val="0"/>
-                        </a:spcBef>
-                        <a:spcAft>
-                          <a:spcPts val="0"/>
-                        </a:spcAft>
-                        <a:buClrTx/>
-                        <a:buSzTx/>
-                        <a:buFontTx/>
-                        <a:buNone/>
-                        <a:tabLst/>
-                        <a:defRPr/>
-                      </a:pPr>
-                      <a:r>
-                        <a:rPr lang="en-ID" dirty="0" err="1"/>
-                        <a:t>diabetic_relative</a:t>
-                      </a:r>
-                      <a:endParaRPr lang="en-ID" dirty="0"/>
-                    </a:p>
-                  </a:txBody>
-                  <a:tcPr/>
-                </a:tc>
-                <a:extLst>
-                  <a:ext uri="{0D108BD9-81ED-4DB2-BD59-A6C34878D82A}">
-                    <a16:rowId xmlns:a16="http://schemas.microsoft.com/office/drawing/2014/main" val="1562312385"/>
-                  </a:ext>
-                </a:extLst>
-              </a:tr>
-              <a:tr h="419171">
-                <a:tc vMerge="1">
-                  <a:txBody>
-                    <a:bodyPr/>
-                    <a:lstStyle/>
-                    <a:p>
-                      <a:endParaRPr lang="en-ID" dirty="0"/>
-                    </a:p>
-                  </a:txBody>
-                  <a:tcPr/>
-                </a:tc>
-                <a:tc>
-                  <a:txBody>
-                    <a:bodyPr/>
-                    <a:lstStyle/>
-                    <a:p>
-                      <a:r>
-                        <a:rPr lang="en-ID" dirty="0" err="1"/>
-                        <a:t>high_bp</a:t>
-                      </a:r>
-                      <a:endParaRPr lang="en-ID" dirty="0"/>
-                    </a:p>
-                  </a:txBody>
-                  <a:tcPr/>
-                </a:tc>
-                <a:tc>
-                  <a:txBody>
-                    <a:bodyPr/>
-                    <a:lstStyle/>
-                    <a:p>
-                      <a:r>
-                        <a:rPr lang="en-ID" dirty="0" err="1"/>
-                        <a:t>high_bp</a:t>
-                      </a:r>
-                      <a:endParaRPr lang="en-ID" dirty="0"/>
-                    </a:p>
-                  </a:txBody>
-                  <a:tcPr/>
-                </a:tc>
-                <a:extLst>
-                  <a:ext uri="{0D108BD9-81ED-4DB2-BD59-A6C34878D82A}">
-                    <a16:rowId xmlns:a16="http://schemas.microsoft.com/office/drawing/2014/main" val="2953366997"/>
-                  </a:ext>
-                </a:extLst>
-              </a:tr>
-              <a:tr h="419171">
-                <a:tc vMerge="1">
-                  <a:txBody>
-                    <a:bodyPr/>
-                    <a:lstStyle/>
-                    <a:p>
-                      <a:endParaRPr lang="en-ID" dirty="0"/>
-                    </a:p>
-                  </a:txBody>
-                  <a:tcPr/>
-                </a:tc>
-                <a:tc>
-                  <a:txBody>
-                    <a:bodyPr/>
-                    <a:lstStyle/>
-                    <a:p>
-                      <a:r>
-                        <a:rPr lang="en-ID" dirty="0" err="1"/>
-                        <a:t>high_chol</a:t>
-                      </a:r>
-                      <a:endParaRPr lang="en-ID" dirty="0"/>
-                    </a:p>
-                  </a:txBody>
-                  <a:tcPr/>
-                </a:tc>
-                <a:tc>
-                  <a:txBody>
-                    <a:bodyPr/>
-                    <a:lstStyle/>
-                    <a:p>
-                      <a:r>
-                        <a:rPr lang="en-ID" dirty="0" err="1"/>
-                        <a:t>high_chol</a:t>
-                      </a:r>
-                      <a:endParaRPr lang="en-ID" dirty="0"/>
-                    </a:p>
-                  </a:txBody>
-                  <a:tcPr/>
-                </a:tc>
-                <a:extLst>
-                  <a:ext uri="{0D108BD9-81ED-4DB2-BD59-A6C34878D82A}">
-                    <a16:rowId xmlns:a16="http://schemas.microsoft.com/office/drawing/2014/main" val="2091697704"/>
-                  </a:ext>
-                </a:extLst>
-              </a:tr>
-              <a:tr h="419171">
-                <a:tc vMerge="1">
-                  <a:txBody>
-                    <a:bodyPr/>
-                    <a:lstStyle/>
-                    <a:p>
-                      <a:endParaRPr lang="en-ID" dirty="0"/>
-                    </a:p>
-                  </a:txBody>
-                  <a:tcPr/>
-                </a:tc>
-                <a:tc>
-                  <a:txBody>
-                    <a:bodyPr/>
-                    <a:lstStyle/>
-                    <a:p>
-                      <a:r>
-                        <a:rPr lang="en-ID" dirty="0"/>
-                        <a:t>systolic</a:t>
-                      </a:r>
-                    </a:p>
-                  </a:txBody>
-                  <a:tcPr/>
-                </a:tc>
-                <a:tc>
-                  <a:txBody>
-                    <a:bodyPr/>
-                    <a:lstStyle/>
-                    <a:p>
-                      <a:r>
-                        <a:rPr lang="en-ID" dirty="0"/>
-                        <a:t>systolic</a:t>
-                      </a:r>
-                    </a:p>
-                  </a:txBody>
-                  <a:tcPr/>
-                </a:tc>
-                <a:extLst>
-                  <a:ext uri="{0D108BD9-81ED-4DB2-BD59-A6C34878D82A}">
-                    <a16:rowId xmlns:a16="http://schemas.microsoft.com/office/drawing/2014/main" val="1823627142"/>
-                  </a:ext>
-                </a:extLst>
-              </a:tr>
-              <a:tr h="419171">
-                <a:tc vMerge="1">
-                  <a:txBody>
-                    <a:bodyPr/>
-                    <a:lstStyle/>
-                    <a:p>
-                      <a:endParaRPr lang="en-ID" dirty="0"/>
-                    </a:p>
-                  </a:txBody>
-                  <a:tcPr/>
-                </a:tc>
-                <a:tc>
-                  <a:txBody>
-                    <a:bodyPr/>
-                    <a:lstStyle/>
-                    <a:p>
-                      <a:r>
-                        <a:rPr lang="en-ID" dirty="0" err="1"/>
-                        <a:t>bmi</a:t>
-                      </a:r>
-                      <a:endParaRPr lang="en-ID" dirty="0"/>
-                    </a:p>
-                  </a:txBody>
-                  <a:tcPr/>
-                </a:tc>
-                <a:tc>
-                  <a:txBody>
-                    <a:bodyPr/>
-                    <a:lstStyle/>
-                    <a:p>
-                      <a:r>
-                        <a:rPr lang="en-ID" dirty="0" err="1"/>
-                        <a:t>bmi</a:t>
-                      </a:r>
-                      <a:endParaRPr lang="en-ID" dirty="0"/>
-                    </a:p>
-                  </a:txBody>
-                  <a:tcPr/>
-                </a:tc>
-                <a:extLst>
-                  <a:ext uri="{0D108BD9-81ED-4DB2-BD59-A6C34878D82A}">
-                    <a16:rowId xmlns:a16="http://schemas.microsoft.com/office/drawing/2014/main" val="1783855422"/>
-                  </a:ext>
-                </a:extLst>
-              </a:tr>
-              <a:tr h="0">
-                <a:tc vMerge="1">
-                  <a:txBody>
-                    <a:bodyPr/>
-                    <a:lstStyle/>
-                    <a:p>
-                      <a:endParaRPr lang="en-ID" dirty="0"/>
-                    </a:p>
-                  </a:txBody>
-                  <a:tcPr/>
-                </a:tc>
-                <a:tc>
-                  <a:txBody>
-                    <a:bodyPr/>
-                    <a:lstStyle/>
-                    <a:p>
-                      <a:r>
-                        <a:rPr lang="en-ID" dirty="0" err="1"/>
-                        <a:t>arm_circumference</a:t>
-                      </a:r>
-                      <a:endParaRPr lang="en-ID" dirty="0"/>
-                    </a:p>
-                  </a:txBody>
-                  <a:tcPr/>
-                </a:tc>
-                <a:tc>
-                  <a:txBody>
-                    <a:bodyPr/>
-                    <a:lstStyle/>
-                    <a:p>
-                      <a:pPr marL="0" marR="0" lvl="0" indent="0" algn="l" defTabSz="914400" rtl="0" eaLnBrk="1" fontAlgn="auto" latinLnBrk="0" hangingPunct="1">
-                        <a:lnSpc>
-                          <a:spcPct val="100000"/>
-                        </a:lnSpc>
-                        <a:spcBef>
-                          <a:spcPts val="0"/>
-                        </a:spcBef>
-                        <a:spcAft>
-                          <a:spcPts val="0"/>
-                        </a:spcAft>
-                        <a:buClrTx/>
-                        <a:buSzTx/>
-                        <a:buFontTx/>
-                        <a:buNone/>
-                        <a:tabLst/>
-                        <a:defRPr/>
-                      </a:pPr>
-                      <a:r>
-                        <a:rPr lang="en-ID" dirty="0" err="1"/>
-                        <a:t>WH_ratio</a:t>
-                      </a:r>
-                      <a:r>
-                        <a:rPr lang="en-ID" dirty="0"/>
-                        <a:t> </a:t>
-                      </a:r>
-                    </a:p>
-                  </a:txBody>
-                  <a:tcPr/>
-                </a:tc>
-                <a:extLst>
-                  <a:ext uri="{0D108BD9-81ED-4DB2-BD59-A6C34878D82A}">
-                    <a16:rowId xmlns:a16="http://schemas.microsoft.com/office/drawing/2014/main" val="827204044"/>
-                  </a:ext>
-                </a:extLst>
-              </a:tr>
-              <a:tr h="419171">
-                <a:tc vMerge="1">
-                  <a:txBody>
-                    <a:bodyPr/>
-                    <a:lstStyle/>
-                    <a:p>
-                      <a:endParaRPr lang="en-ID" dirty="0"/>
-                    </a:p>
-                  </a:txBody>
-                  <a:tcPr/>
-                </a:tc>
-                <a:tc>
-                  <a:txBody>
-                    <a:bodyPr/>
-                    <a:lstStyle/>
-                    <a:p>
-                      <a:r>
-                        <a:rPr lang="en-ID" dirty="0" err="1"/>
-                        <a:t>WH_ratio</a:t>
-                      </a:r>
-                      <a:r>
-                        <a:rPr lang="en-ID" dirty="0"/>
-                        <a:t> </a:t>
-                      </a:r>
-                    </a:p>
-                  </a:txBody>
-                  <a:tcPr/>
-                </a:tc>
-                <a:tc>
-                  <a:txBody>
-                    <a:bodyPr/>
-                    <a:lstStyle/>
-                    <a:p>
-                      <a:r>
-                        <a:rPr lang="en-ID" dirty="0" err="1"/>
-                        <a:t>glucose_mg</a:t>
-                      </a:r>
-                      <a:r>
-                        <a:rPr lang="en-ID" dirty="0"/>
-                        <a:t>/dL </a:t>
-                      </a:r>
-                    </a:p>
-                  </a:txBody>
-                  <a:tcPr/>
-                </a:tc>
-                <a:extLst>
-                  <a:ext uri="{0D108BD9-81ED-4DB2-BD59-A6C34878D82A}">
-                    <a16:rowId xmlns:a16="http://schemas.microsoft.com/office/drawing/2014/main" val="556304230"/>
-                  </a:ext>
-                </a:extLst>
-              </a:tr>
-              <a:tr h="419171">
-                <a:tc vMerge="1">
-                  <a:txBody>
-                    <a:bodyPr/>
-                    <a:lstStyle/>
-                    <a:p>
-                      <a:endParaRPr lang="en-ID" dirty="0"/>
-                    </a:p>
-                  </a:txBody>
-                  <a:tcPr/>
-                </a:tc>
-                <a:tc>
-                  <a:txBody>
-                    <a:bodyPr/>
-                    <a:lstStyle/>
-                    <a:p>
-                      <a:pPr marL="0" marR="0" lvl="0" indent="0" algn="l" defTabSz="914400" rtl="0" eaLnBrk="1" fontAlgn="auto" latinLnBrk="0" hangingPunct="1">
-                        <a:lnSpc>
-                          <a:spcPct val="100000"/>
-                        </a:lnSpc>
-                        <a:spcBef>
-                          <a:spcPts val="0"/>
-                        </a:spcBef>
-                        <a:spcAft>
-                          <a:spcPts val="0"/>
-                        </a:spcAft>
-                        <a:buClrTx/>
-                        <a:buSzTx/>
-                        <a:buFontTx/>
-                        <a:buNone/>
-                        <a:tabLst/>
-                        <a:defRPr/>
-                      </a:pPr>
-                      <a:r>
-                        <a:rPr lang="en-ID" dirty="0" err="1"/>
-                        <a:t>vigorous_recreational_activities</a:t>
-                      </a:r>
-                      <a:r>
-                        <a:rPr lang="en-ID" dirty="0"/>
-                        <a:t> </a:t>
-                      </a:r>
-                    </a:p>
-                  </a:txBody>
-                  <a:tcPr/>
-                </a:tc>
-                <a:tc>
-                  <a:txBody>
-                    <a:bodyPr/>
-                    <a:lstStyle/>
-                    <a:p>
-                      <a:r>
-                        <a:rPr lang="en-ID" dirty="0" err="1"/>
-                        <a:t>vigorous_recreational_activities</a:t>
-                      </a:r>
-                      <a:r>
-                        <a:rPr lang="en-ID" dirty="0"/>
-                        <a:t> </a:t>
-                      </a:r>
-                    </a:p>
-                  </a:txBody>
-                  <a:tcPr/>
-                </a:tc>
-                <a:extLst>
-                  <a:ext uri="{0D108BD9-81ED-4DB2-BD59-A6C34878D82A}">
-                    <a16:rowId xmlns:a16="http://schemas.microsoft.com/office/drawing/2014/main" val="3669866060"/>
-                  </a:ext>
-                </a:extLst>
-              </a:tr>
-              <a:tr h="419171">
-                <a:tc vMerge="1">
-                  <a:txBody>
-                    <a:bodyPr/>
-                    <a:lstStyle/>
-                    <a:p>
-                      <a:endParaRPr lang="en-ID" dirty="0"/>
-                    </a:p>
-                  </a:txBody>
-                  <a:tcPr/>
-                </a:tc>
-                <a:tc>
-                  <a:txBody>
-                    <a:bodyPr/>
-                    <a:lstStyle/>
-                    <a:p>
-                      <a:r>
-                        <a:rPr lang="en-ID" dirty="0" err="1"/>
-                        <a:t>head%_fat</a:t>
-                      </a:r>
-                      <a:endParaRPr lang="en-ID" dirty="0"/>
-                    </a:p>
-                  </a:txBody>
-                  <a:tcPr/>
-                </a:tc>
-                <a:tc>
-                  <a:txBody>
-                    <a:bodyPr/>
-                    <a:lstStyle/>
-                    <a:p>
-                      <a:pPr marL="0" marR="0" lvl="0" indent="0" algn="l" defTabSz="914400" rtl="0" eaLnBrk="1" fontAlgn="auto" latinLnBrk="0" hangingPunct="1">
-                        <a:lnSpc>
-                          <a:spcPct val="100000"/>
-                        </a:lnSpc>
-                        <a:spcBef>
-                          <a:spcPts val="0"/>
-                        </a:spcBef>
-                        <a:spcAft>
-                          <a:spcPts val="0"/>
-                        </a:spcAft>
-                        <a:buClrTx/>
-                        <a:buSzTx/>
-                        <a:buFontTx/>
-                        <a:buNone/>
-                        <a:tabLst/>
-                        <a:defRPr/>
-                      </a:pPr>
-                      <a:r>
-                        <a:rPr lang="en-US" dirty="0" err="1"/>
-                        <a:t>Head%_fat</a:t>
-                      </a:r>
-                      <a:endParaRPr lang="en-ID" dirty="0"/>
-                    </a:p>
-                  </a:txBody>
-                  <a:tcPr/>
-                </a:tc>
-                <a:extLst>
-                  <a:ext uri="{0D108BD9-81ED-4DB2-BD59-A6C34878D82A}">
-                    <a16:rowId xmlns:a16="http://schemas.microsoft.com/office/drawing/2014/main" val="2682708679"/>
-                  </a:ext>
-                </a:extLst>
-              </a:tr>
-              <a:tr h="419171">
-                <a:tc vMerge="1">
-                  <a:txBody>
-                    <a:bodyPr/>
-                    <a:lstStyle/>
-                    <a:p>
-                      <a:endParaRPr lang="en-ID" dirty="0"/>
-                    </a:p>
-                  </a:txBody>
-                  <a:tcPr/>
-                </a:tc>
-                <a:tc>
-                  <a:txBody>
-                    <a:bodyPr/>
-                    <a:lstStyle/>
-                    <a:p>
-                      <a:r>
-                        <a:rPr lang="en-ID" dirty="0" err="1"/>
-                        <a:t>trunk%_fat</a:t>
-                      </a:r>
-                      <a:r>
-                        <a:rPr lang="en-ID" dirty="0"/>
-                        <a:t> </a:t>
-                      </a:r>
-                    </a:p>
-                  </a:txBody>
-                  <a:tcPr/>
-                </a:tc>
-                <a:tc>
-                  <a:txBody>
-                    <a:bodyPr/>
-                    <a:lstStyle/>
-                    <a:p>
-                      <a:pPr marL="0" marR="0" lvl="0" indent="0" algn="l" defTabSz="914400" rtl="0" eaLnBrk="1" fontAlgn="auto" latinLnBrk="0" hangingPunct="1">
-                        <a:lnSpc>
-                          <a:spcPct val="100000"/>
-                        </a:lnSpc>
-                        <a:spcBef>
-                          <a:spcPts val="0"/>
-                        </a:spcBef>
-                        <a:spcAft>
-                          <a:spcPts val="0"/>
-                        </a:spcAft>
-                        <a:buClrTx/>
-                        <a:buSzTx/>
-                        <a:buFontTx/>
-                        <a:buNone/>
-                        <a:tabLst/>
-                        <a:defRPr/>
-                      </a:pPr>
-                      <a:r>
-                        <a:rPr lang="en-ID" dirty="0" err="1">
-                          <a:highlight>
-                            <a:srgbClr val="FFFF00"/>
-                          </a:highlight>
-                        </a:rPr>
-                        <a:t>arm_circumference</a:t>
-                      </a:r>
-                      <a:endParaRPr lang="en-ID" dirty="0">
-                        <a:highlight>
-                          <a:srgbClr val="FFFF00"/>
-                        </a:highlight>
-                      </a:endParaRPr>
-                    </a:p>
-                  </a:txBody>
-                  <a:tcPr/>
-                </a:tc>
-                <a:extLst>
-                  <a:ext uri="{0D108BD9-81ED-4DB2-BD59-A6C34878D82A}">
-                    <a16:rowId xmlns:a16="http://schemas.microsoft.com/office/drawing/2014/main" val="200141114"/>
-                  </a:ext>
-                </a:extLst>
-              </a:tr>
-            </a:tbl>
-          </a:graphicData>
-        </a:graphic>
-      </p:graphicFrame>
-    </p:spTree>
-    <p:extLst>
-      <p:ext uri="{BB962C8B-B14F-4D97-AF65-F5344CB8AC3E}">
-        <p14:creationId xmlns:p14="http://schemas.microsoft.com/office/powerpoint/2010/main" val="3900880391"/>
-      </p:ext>
-    </p:extLst>
-  </p:cSld>
-  <p:clrMapOvr>
-    <a:masterClrMapping/>
-  </p:clrMapOvr>
-</p:sld>
-</file>
-
-<file path=ppt/slides/slide11.xml><?xml version="1.0" encoding="utf-8"?>
-<p:sld xmlns:a="http://schemas.openxmlformats.org/drawingml/2006/main" xmlns:r="http://schemas.openxmlformats.org/officeDocument/2006/relationships" xmlns:p="http://schemas.openxmlformats.org/presentationml/2006/main">
-  <p:cSld>
-    <p:spTree>
-      <p:nvGrpSpPr>
-        <p:cNvPr id="1" name=""/>
-        <p:cNvGrpSpPr/>
-        <p:nvPr/>
-      </p:nvGrpSpPr>
-      <p:grpSpPr>
-        <a:xfrm>
-          <a:off x="0" y="0"/>
-          <a:ext cx="0" cy="0"/>
-          <a:chOff x="0" y="0"/>
-          <a:chExt cx="0" cy="0"/>
-        </a:xfrm>
-      </p:grpSpPr>
-      <p:sp>
-        <p:nvSpPr>
-          <p:cNvPr id="2" name="Title 1">
-            <a:extLst>
-              <a:ext uri="{FF2B5EF4-FFF2-40B4-BE49-F238E27FC236}">
                 <a16:creationId xmlns:a16="http://schemas.microsoft.com/office/drawing/2014/main" id="{F14B6A47-BB5B-4EED-9C24-B4635EA7594C}"/>
               </a:ext>
             </a:extLst>
@@ -5327,7 +4431,7 @@
 </p:sld>
 </file>
 
-<file path=ppt/slides/slide12.xml><?xml version="1.0" encoding="utf-8"?>
+<file path=ppt/slides/slide11.xml><?xml version="1.0" encoding="utf-8"?>
 <p:sld xmlns:a="http://schemas.openxmlformats.org/drawingml/2006/main" xmlns:r="http://schemas.openxmlformats.org/officeDocument/2006/relationships" xmlns:p="http://schemas.openxmlformats.org/presentationml/2006/main">
   <p:cSld>
     <p:spTree>
@@ -5372,1402 +4476,7 @@
           <a:p>
             <a:r>
               <a:rPr lang="en-US" dirty="0"/>
-              <a:t>Case 1 FAT</a:t>
-            </a:r>
-            <a:endParaRPr lang="en-ID" dirty="0"/>
-          </a:p>
-        </p:txBody>
-      </p:sp>
-      <p:graphicFrame>
-        <p:nvGraphicFramePr>
-          <p:cNvPr id="4" name="Table 4">
-            <a:extLst>
-              <a:ext uri="{FF2B5EF4-FFF2-40B4-BE49-F238E27FC236}">
-                <a16:creationId xmlns:a16="http://schemas.microsoft.com/office/drawing/2014/main" id="{1B00F96B-DBD1-469F-A104-89FBB7124C0E}"/>
-              </a:ext>
-            </a:extLst>
-          </p:cNvPr>
-          <p:cNvGraphicFramePr>
-            <a:graphicFrameLocks noGrp="1"/>
-          </p:cNvGraphicFramePr>
-          <p:nvPr>
-            <p:ph idx="1"/>
-            <p:extLst>
-              <p:ext uri="{D42A27DB-BD31-4B8C-83A1-F6EECF244321}">
-                <p14:modId xmlns:p14="http://schemas.microsoft.com/office/powerpoint/2010/main" val="3612747192"/>
-              </p:ext>
-            </p:extLst>
-          </p:nvPr>
-        </p:nvGraphicFramePr>
-        <p:xfrm>
-          <a:off x="-2" y="433156"/>
-          <a:ext cx="9077498" cy="3619152"/>
-        </p:xfrm>
-        <a:graphic>
-          <a:graphicData uri="http://schemas.openxmlformats.org/drawingml/2006/table">
-            <a:tbl>
-              <a:tblPr firstRow="1" bandRow="1">
-                <a:tableStyleId>{5C22544A-7EE6-4342-B048-85BDC9FD1C3A}</a:tableStyleId>
-              </a:tblPr>
-              <a:tblGrid>
-                <a:gridCol w="2086034">
-                  <a:extLst>
-                    <a:ext uri="{9D8B030D-6E8A-4147-A177-3AD203B41FA5}">
-                      <a16:colId xmlns:a16="http://schemas.microsoft.com/office/drawing/2014/main" val="3285722595"/>
-                    </a:ext>
-                  </a:extLst>
-                </a:gridCol>
-                <a:gridCol w="1841575">
-                  <a:extLst>
-                    <a:ext uri="{9D8B030D-6E8A-4147-A177-3AD203B41FA5}">
-                      <a16:colId xmlns:a16="http://schemas.microsoft.com/office/drawing/2014/main" val="2418261936"/>
-                    </a:ext>
-                  </a:extLst>
-                </a:gridCol>
-                <a:gridCol w="1921142">
-                  <a:extLst>
-                    <a:ext uri="{9D8B030D-6E8A-4147-A177-3AD203B41FA5}">
-                      <a16:colId xmlns:a16="http://schemas.microsoft.com/office/drawing/2014/main" val="2792445621"/>
-                    </a:ext>
-                  </a:extLst>
-                </a:gridCol>
-                <a:gridCol w="3228747">
-                  <a:extLst>
-                    <a:ext uri="{9D8B030D-6E8A-4147-A177-3AD203B41FA5}">
-                      <a16:colId xmlns:a16="http://schemas.microsoft.com/office/drawing/2014/main" val="2169703754"/>
-                    </a:ext>
-                  </a:extLst>
-                </a:gridCol>
-              </a:tblGrid>
-              <a:tr h="566304">
-                <a:tc>
-                  <a:txBody>
-                    <a:bodyPr/>
-                    <a:lstStyle/>
-                    <a:p>
-                      <a:endParaRPr lang="en-ID" dirty="0"/>
-                    </a:p>
-                  </a:txBody>
-                  <a:tcPr/>
-                </a:tc>
-                <a:tc>
-                  <a:txBody>
-                    <a:bodyPr/>
-                    <a:lstStyle/>
-                    <a:p>
-                      <a:r>
-                        <a:rPr lang="en-US" dirty="0"/>
-                        <a:t>Recall risk diabetic</a:t>
-                      </a:r>
-                      <a:endParaRPr lang="en-ID" dirty="0"/>
-                    </a:p>
-                  </a:txBody>
-                  <a:tcPr/>
-                </a:tc>
-                <a:tc>
-                  <a:txBody>
-                    <a:bodyPr/>
-                    <a:lstStyle/>
-                    <a:p>
-                      <a:pPr marL="0" marR="0" lvl="0" indent="0" algn="l" defTabSz="914400" rtl="0" eaLnBrk="1" fontAlgn="auto" latinLnBrk="0" hangingPunct="1">
-                        <a:lnSpc>
-                          <a:spcPct val="100000"/>
-                        </a:lnSpc>
-                        <a:spcBef>
-                          <a:spcPts val="0"/>
-                        </a:spcBef>
-                        <a:spcAft>
-                          <a:spcPts val="0"/>
-                        </a:spcAft>
-                        <a:buClrTx/>
-                        <a:buSzTx/>
-                        <a:buFontTx/>
-                        <a:buNone/>
-                        <a:tabLst/>
-                        <a:defRPr/>
-                      </a:pPr>
-                      <a:r>
-                        <a:rPr lang="en-US" dirty="0"/>
-                        <a:t>Precision risk diabetic</a:t>
-                      </a:r>
-                      <a:endParaRPr lang="en-ID" dirty="0"/>
-                    </a:p>
-                  </a:txBody>
-                  <a:tcPr/>
-                </a:tc>
-                <a:tc>
-                  <a:txBody>
-                    <a:bodyPr/>
-                    <a:lstStyle/>
-                    <a:p>
-                      <a:r>
-                        <a:rPr lang="en-US" dirty="0"/>
-                        <a:t>Accuracy</a:t>
-                      </a:r>
-                      <a:endParaRPr lang="en-ID" dirty="0"/>
-                    </a:p>
-                  </a:txBody>
-                  <a:tcPr/>
-                </a:tc>
-                <a:extLst>
-                  <a:ext uri="{0D108BD9-81ED-4DB2-BD59-A6C34878D82A}">
-                    <a16:rowId xmlns:a16="http://schemas.microsoft.com/office/drawing/2014/main" val="4142776565"/>
-                  </a:ext>
-                </a:extLst>
-              </a:tr>
-              <a:tr h="566304">
-                <a:tc>
-                  <a:txBody>
-                    <a:bodyPr/>
-                    <a:lstStyle/>
-                    <a:p>
-                      <a:r>
-                        <a:rPr lang="en-US" dirty="0"/>
-                        <a:t>Logistic Regression</a:t>
-                      </a:r>
-                      <a:endParaRPr lang="en-ID" dirty="0"/>
-                    </a:p>
-                  </a:txBody>
-                  <a:tcPr/>
-                </a:tc>
-                <a:tc>
-                  <a:txBody>
-                    <a:bodyPr/>
-                    <a:lstStyle/>
-                    <a:p>
-                      <a:r>
-                        <a:rPr lang="en-US" dirty="0"/>
-                        <a:t>0.90</a:t>
-                      </a:r>
-                      <a:endParaRPr lang="en-ID" dirty="0"/>
-                    </a:p>
-                  </a:txBody>
-                  <a:tcPr/>
-                </a:tc>
-                <a:tc>
-                  <a:txBody>
-                    <a:bodyPr/>
-                    <a:lstStyle/>
-                    <a:p>
-                      <a:r>
-                        <a:rPr lang="en-US" dirty="0"/>
-                        <a:t>0.68</a:t>
-                      </a:r>
-                      <a:endParaRPr lang="en-ID" dirty="0"/>
-                    </a:p>
-                  </a:txBody>
-                  <a:tcPr/>
-                </a:tc>
-                <a:tc>
-                  <a:txBody>
-                    <a:bodyPr/>
-                    <a:lstStyle/>
-                    <a:p>
-                      <a:r>
-                        <a:rPr lang="en-US" dirty="0"/>
-                        <a:t>0.70</a:t>
-                      </a:r>
-                      <a:endParaRPr lang="en-ID" dirty="0"/>
-                    </a:p>
-                  </a:txBody>
-                  <a:tcPr/>
-                </a:tc>
-                <a:extLst>
-                  <a:ext uri="{0D108BD9-81ED-4DB2-BD59-A6C34878D82A}">
-                    <a16:rowId xmlns:a16="http://schemas.microsoft.com/office/drawing/2014/main" val="1890684443"/>
-                  </a:ext>
-                </a:extLst>
-              </a:tr>
-              <a:tr h="566304">
-                <a:tc>
-                  <a:txBody>
-                    <a:bodyPr/>
-                    <a:lstStyle/>
-                    <a:p>
-                      <a:r>
-                        <a:rPr lang="en-US" dirty="0">
-                          <a:solidFill>
-                            <a:schemeClr val="tx1"/>
-                          </a:solidFill>
-                        </a:rPr>
-                        <a:t>SVM</a:t>
-                      </a:r>
-                      <a:endParaRPr lang="en-ID" dirty="0">
-                        <a:solidFill>
-                          <a:schemeClr val="tx1"/>
-                        </a:solidFill>
-                      </a:endParaRPr>
-                    </a:p>
-                  </a:txBody>
-                  <a:tcPr/>
-                </a:tc>
-                <a:tc>
-                  <a:txBody>
-                    <a:bodyPr/>
-                    <a:lstStyle/>
-                    <a:p>
-                      <a:r>
-                        <a:rPr lang="en-US" dirty="0">
-                          <a:solidFill>
-                            <a:schemeClr val="tx1"/>
-                          </a:solidFill>
-                        </a:rPr>
-                        <a:t>0.90</a:t>
-                      </a:r>
-                      <a:endParaRPr lang="en-ID" dirty="0">
-                        <a:solidFill>
-                          <a:schemeClr val="tx1"/>
-                        </a:solidFill>
-                      </a:endParaRPr>
-                    </a:p>
-                  </a:txBody>
-                  <a:tcPr/>
-                </a:tc>
-                <a:tc>
-                  <a:txBody>
-                    <a:bodyPr/>
-                    <a:lstStyle/>
-                    <a:p>
-                      <a:r>
-                        <a:rPr lang="en-US" dirty="0">
-                          <a:solidFill>
-                            <a:schemeClr val="tx1"/>
-                          </a:solidFill>
-                        </a:rPr>
-                        <a:t>0.68</a:t>
-                      </a:r>
-                      <a:endParaRPr lang="en-ID" dirty="0">
-                        <a:solidFill>
-                          <a:schemeClr val="tx1"/>
-                        </a:solidFill>
-                      </a:endParaRPr>
-                    </a:p>
-                  </a:txBody>
-                  <a:tcPr/>
-                </a:tc>
-                <a:tc>
-                  <a:txBody>
-                    <a:bodyPr/>
-                    <a:lstStyle/>
-                    <a:p>
-                      <a:r>
-                        <a:rPr lang="en-US" dirty="0">
-                          <a:solidFill>
-                            <a:schemeClr val="tx1"/>
-                          </a:solidFill>
-                        </a:rPr>
-                        <a:t>0.69</a:t>
-                      </a:r>
-                      <a:endParaRPr lang="en-ID" dirty="0">
-                        <a:solidFill>
-                          <a:schemeClr val="tx1"/>
-                        </a:solidFill>
-                      </a:endParaRPr>
-                    </a:p>
-                  </a:txBody>
-                  <a:tcPr/>
-                </a:tc>
-                <a:extLst>
-                  <a:ext uri="{0D108BD9-81ED-4DB2-BD59-A6C34878D82A}">
-                    <a16:rowId xmlns:a16="http://schemas.microsoft.com/office/drawing/2014/main" val="2621166821"/>
-                  </a:ext>
-                </a:extLst>
-              </a:tr>
-              <a:tr h="566304">
-                <a:tc>
-                  <a:txBody>
-                    <a:bodyPr/>
-                    <a:lstStyle/>
-                    <a:p>
-                      <a:r>
-                        <a:rPr lang="en-ID" dirty="0"/>
-                        <a:t>Gradient Boosting Classifier</a:t>
-                      </a:r>
-                    </a:p>
-                  </a:txBody>
-                  <a:tcPr/>
-                </a:tc>
-                <a:tc>
-                  <a:txBody>
-                    <a:bodyPr/>
-                    <a:lstStyle/>
-                    <a:p>
-                      <a:r>
-                        <a:rPr lang="en-US" dirty="0">
-                          <a:highlight>
-                            <a:srgbClr val="FFFF00"/>
-                          </a:highlight>
-                        </a:rPr>
-                        <a:t>0.90</a:t>
-                      </a:r>
-                      <a:endParaRPr lang="en-ID" dirty="0">
-                        <a:highlight>
-                          <a:srgbClr val="FFFF00"/>
-                        </a:highlight>
-                      </a:endParaRPr>
-                    </a:p>
-                  </a:txBody>
-                  <a:tcPr/>
-                </a:tc>
-                <a:tc>
-                  <a:txBody>
-                    <a:bodyPr/>
-                    <a:lstStyle/>
-                    <a:p>
-                      <a:r>
-                        <a:rPr lang="en-US" dirty="0">
-                          <a:highlight>
-                            <a:srgbClr val="FFFF00"/>
-                          </a:highlight>
-                        </a:rPr>
-                        <a:t>0.69</a:t>
-                      </a:r>
-                      <a:endParaRPr lang="en-ID" dirty="0">
-                        <a:highlight>
-                          <a:srgbClr val="FFFF00"/>
-                        </a:highlight>
-                      </a:endParaRPr>
-                    </a:p>
-                  </a:txBody>
-                  <a:tcPr/>
-                </a:tc>
-                <a:tc>
-                  <a:txBody>
-                    <a:bodyPr/>
-                    <a:lstStyle/>
-                    <a:p>
-                      <a:r>
-                        <a:rPr lang="en-US" dirty="0">
-                          <a:highlight>
-                            <a:srgbClr val="FFFF00"/>
-                          </a:highlight>
-                        </a:rPr>
-                        <a:t>0.70</a:t>
-                      </a:r>
-                      <a:endParaRPr lang="en-ID" dirty="0">
-                        <a:highlight>
-                          <a:srgbClr val="FFFF00"/>
-                        </a:highlight>
-                      </a:endParaRPr>
-                    </a:p>
-                  </a:txBody>
-                  <a:tcPr/>
-                </a:tc>
-                <a:extLst>
-                  <a:ext uri="{0D108BD9-81ED-4DB2-BD59-A6C34878D82A}">
-                    <a16:rowId xmlns:a16="http://schemas.microsoft.com/office/drawing/2014/main" val="2780192116"/>
-                  </a:ext>
-                </a:extLst>
-              </a:tr>
-              <a:tr h="566304">
-                <a:tc>
-                  <a:txBody>
-                    <a:bodyPr/>
-                    <a:lstStyle/>
-                    <a:p>
-                      <a:r>
-                        <a:rPr lang="en-US" dirty="0"/>
-                        <a:t>AdaBoost</a:t>
-                      </a:r>
-                      <a:endParaRPr lang="en-ID" dirty="0"/>
-                    </a:p>
-                  </a:txBody>
-                  <a:tcPr/>
-                </a:tc>
-                <a:tc>
-                  <a:txBody>
-                    <a:bodyPr/>
-                    <a:lstStyle/>
-                    <a:p>
-                      <a:r>
-                        <a:rPr lang="en-US" dirty="0">
-                          <a:solidFill>
-                            <a:schemeClr val="tx1"/>
-                          </a:solidFill>
-                        </a:rPr>
-                        <a:t>0.90</a:t>
-                      </a:r>
-                      <a:endParaRPr lang="en-ID" dirty="0">
-                        <a:solidFill>
-                          <a:schemeClr val="tx1"/>
-                        </a:solidFill>
-                      </a:endParaRPr>
-                    </a:p>
-                  </a:txBody>
-                  <a:tcPr/>
-                </a:tc>
-                <a:tc>
-                  <a:txBody>
-                    <a:bodyPr/>
-                    <a:lstStyle/>
-                    <a:p>
-                      <a:r>
-                        <a:rPr lang="en-US" dirty="0">
-                          <a:solidFill>
-                            <a:schemeClr val="tx1"/>
-                          </a:solidFill>
-                        </a:rPr>
-                        <a:t>0.68</a:t>
-                      </a:r>
-                      <a:endParaRPr lang="en-ID" dirty="0">
-                        <a:solidFill>
-                          <a:schemeClr val="tx1"/>
-                        </a:solidFill>
-                      </a:endParaRPr>
-                    </a:p>
-                  </a:txBody>
-                  <a:tcPr/>
-                </a:tc>
-                <a:tc>
-                  <a:txBody>
-                    <a:bodyPr/>
-                    <a:lstStyle/>
-                    <a:p>
-                      <a:r>
-                        <a:rPr lang="en-US" dirty="0">
-                          <a:solidFill>
-                            <a:schemeClr val="tx1"/>
-                          </a:solidFill>
-                        </a:rPr>
-                        <a:t>0.69</a:t>
-                      </a:r>
-                      <a:endParaRPr lang="en-ID" dirty="0">
-                        <a:solidFill>
-                          <a:schemeClr val="tx1"/>
-                        </a:solidFill>
-                      </a:endParaRPr>
-                    </a:p>
-                  </a:txBody>
-                  <a:tcPr/>
-                </a:tc>
-                <a:extLst>
-                  <a:ext uri="{0D108BD9-81ED-4DB2-BD59-A6C34878D82A}">
-                    <a16:rowId xmlns:a16="http://schemas.microsoft.com/office/drawing/2014/main" val="2770505548"/>
-                  </a:ext>
-                </a:extLst>
-              </a:tr>
-              <a:tr h="566304">
-                <a:tc>
-                  <a:txBody>
-                    <a:bodyPr/>
-                    <a:lstStyle/>
-                    <a:p>
-                      <a:r>
-                        <a:rPr lang="en-ID" dirty="0"/>
-                        <a:t>Random Forest</a:t>
-                      </a:r>
-                    </a:p>
-                    <a:p>
-                      <a:r>
-                        <a:rPr lang="en-ID" dirty="0"/>
-                        <a:t>Classifier</a:t>
-                      </a:r>
-                    </a:p>
-                  </a:txBody>
-                  <a:tcPr/>
-                </a:tc>
-                <a:tc>
-                  <a:txBody>
-                    <a:bodyPr/>
-                    <a:lstStyle/>
-                    <a:p>
-                      <a:r>
-                        <a:rPr lang="en-US" dirty="0">
-                          <a:solidFill>
-                            <a:schemeClr val="tx1"/>
-                          </a:solidFill>
-                        </a:rPr>
-                        <a:t>0.90</a:t>
-                      </a:r>
-                      <a:endParaRPr lang="en-ID" dirty="0">
-                        <a:solidFill>
-                          <a:schemeClr val="tx1"/>
-                        </a:solidFill>
-                      </a:endParaRPr>
-                    </a:p>
-                  </a:txBody>
-                  <a:tcPr/>
-                </a:tc>
-                <a:tc>
-                  <a:txBody>
-                    <a:bodyPr/>
-                    <a:lstStyle/>
-                    <a:p>
-                      <a:r>
-                        <a:rPr lang="en-US" dirty="0">
-                          <a:solidFill>
-                            <a:schemeClr val="tx1"/>
-                          </a:solidFill>
-                        </a:rPr>
-                        <a:t>0.68</a:t>
-                      </a:r>
-                      <a:endParaRPr lang="en-ID" dirty="0">
-                        <a:solidFill>
-                          <a:schemeClr val="tx1"/>
-                        </a:solidFill>
-                      </a:endParaRPr>
-                    </a:p>
-                  </a:txBody>
-                  <a:tcPr/>
-                </a:tc>
-                <a:tc>
-                  <a:txBody>
-                    <a:bodyPr/>
-                    <a:lstStyle/>
-                    <a:p>
-                      <a:r>
-                        <a:rPr lang="en-US" dirty="0">
-                          <a:solidFill>
-                            <a:schemeClr val="tx1"/>
-                          </a:solidFill>
-                        </a:rPr>
-                        <a:t>0.69</a:t>
-                      </a:r>
-                      <a:endParaRPr lang="en-ID" dirty="0">
-                        <a:solidFill>
-                          <a:schemeClr val="tx1"/>
-                        </a:solidFill>
-                      </a:endParaRPr>
-                    </a:p>
-                  </a:txBody>
-                  <a:tcPr/>
-                </a:tc>
-                <a:extLst>
-                  <a:ext uri="{0D108BD9-81ED-4DB2-BD59-A6C34878D82A}">
-                    <a16:rowId xmlns:a16="http://schemas.microsoft.com/office/drawing/2014/main" val="2394915515"/>
-                  </a:ext>
-                </a:extLst>
-              </a:tr>
-            </a:tbl>
-          </a:graphicData>
-        </a:graphic>
-      </p:graphicFrame>
-      <p:pic>
-        <p:nvPicPr>
-          <p:cNvPr id="8" name="Picture 7">
-            <a:extLst>
-              <a:ext uri="{FF2B5EF4-FFF2-40B4-BE49-F238E27FC236}">
-                <a16:creationId xmlns:a16="http://schemas.microsoft.com/office/drawing/2014/main" id="{1807EA16-405E-4BDA-81AA-C19E3EBA2567}"/>
-              </a:ext>
-            </a:extLst>
-          </p:cNvPr>
-          <p:cNvPicPr>
-            <a:picLocks noChangeAspect="1"/>
-          </p:cNvPicPr>
-          <p:nvPr/>
-        </p:nvPicPr>
-        <p:blipFill>
-          <a:blip r:embed="rId2"/>
-          <a:stretch>
-            <a:fillRect/>
-          </a:stretch>
-        </p:blipFill>
-        <p:spPr>
-          <a:xfrm>
-            <a:off x="9034022" y="0"/>
-            <a:ext cx="3157977" cy="2235565"/>
-          </a:xfrm>
-          <a:prstGeom prst="rect">
-            <a:avLst/>
-          </a:prstGeom>
-        </p:spPr>
-      </p:pic>
-      <p:pic>
-        <p:nvPicPr>
-          <p:cNvPr id="9" name="Picture 8">
-            <a:extLst>
-              <a:ext uri="{FF2B5EF4-FFF2-40B4-BE49-F238E27FC236}">
-                <a16:creationId xmlns:a16="http://schemas.microsoft.com/office/drawing/2014/main" id="{E44DFB6D-758D-4C2D-9480-416F25037071}"/>
-              </a:ext>
-            </a:extLst>
-          </p:cNvPr>
-          <p:cNvPicPr>
-            <a:picLocks noChangeAspect="1"/>
-          </p:cNvPicPr>
-          <p:nvPr/>
-        </p:nvPicPr>
-        <p:blipFill>
-          <a:blip r:embed="rId3"/>
-          <a:stretch>
-            <a:fillRect/>
-          </a:stretch>
-        </p:blipFill>
-        <p:spPr>
-          <a:xfrm>
-            <a:off x="9077495" y="2242732"/>
-            <a:ext cx="3114505" cy="2235565"/>
-          </a:xfrm>
-          <a:prstGeom prst="rect">
-            <a:avLst/>
-          </a:prstGeom>
-        </p:spPr>
-      </p:pic>
-      <p:pic>
-        <p:nvPicPr>
-          <p:cNvPr id="10" name="Picture 9">
-            <a:extLst>
-              <a:ext uri="{FF2B5EF4-FFF2-40B4-BE49-F238E27FC236}">
-                <a16:creationId xmlns:a16="http://schemas.microsoft.com/office/drawing/2014/main" id="{C4E45D8C-8D88-4143-A641-EBAD9300F474}"/>
-              </a:ext>
-            </a:extLst>
-          </p:cNvPr>
-          <p:cNvPicPr>
-            <a:picLocks noChangeAspect="1"/>
-          </p:cNvPicPr>
-          <p:nvPr/>
-        </p:nvPicPr>
-        <p:blipFill>
-          <a:blip r:embed="rId4"/>
-          <a:stretch>
-            <a:fillRect/>
-          </a:stretch>
-        </p:blipFill>
-        <p:spPr>
-          <a:xfrm>
-            <a:off x="7005806" y="4428933"/>
-            <a:ext cx="3233221" cy="2429065"/>
-          </a:xfrm>
-          <a:prstGeom prst="rect">
-            <a:avLst/>
-          </a:prstGeom>
-        </p:spPr>
-      </p:pic>
-      <p:pic>
-        <p:nvPicPr>
-          <p:cNvPr id="11" name="Picture 10">
-            <a:extLst>
-              <a:ext uri="{FF2B5EF4-FFF2-40B4-BE49-F238E27FC236}">
-                <a16:creationId xmlns:a16="http://schemas.microsoft.com/office/drawing/2014/main" id="{5331B5D5-F8CF-4E06-8CAE-DBD133BEBBD3}"/>
-              </a:ext>
-            </a:extLst>
-          </p:cNvPr>
-          <p:cNvPicPr>
-            <a:picLocks noChangeAspect="1"/>
-          </p:cNvPicPr>
-          <p:nvPr/>
-        </p:nvPicPr>
-        <p:blipFill>
-          <a:blip r:embed="rId5"/>
-          <a:stretch>
-            <a:fillRect/>
-          </a:stretch>
-        </p:blipFill>
-        <p:spPr>
-          <a:xfrm>
-            <a:off x="3531321" y="4428934"/>
-            <a:ext cx="3325425" cy="2429065"/>
-          </a:xfrm>
-          <a:prstGeom prst="rect">
-            <a:avLst/>
-          </a:prstGeom>
-        </p:spPr>
-      </p:pic>
-      <p:pic>
-        <p:nvPicPr>
-          <p:cNvPr id="12" name="Picture 11">
-            <a:extLst>
-              <a:ext uri="{FF2B5EF4-FFF2-40B4-BE49-F238E27FC236}">
-                <a16:creationId xmlns:a16="http://schemas.microsoft.com/office/drawing/2014/main" id="{11AA97A2-83BA-4A4D-B3C8-43B7D9E649A7}"/>
-              </a:ext>
-            </a:extLst>
-          </p:cNvPr>
-          <p:cNvPicPr>
-            <a:picLocks noChangeAspect="1"/>
-          </p:cNvPicPr>
-          <p:nvPr/>
-        </p:nvPicPr>
-        <p:blipFill>
-          <a:blip r:embed="rId6"/>
-          <a:stretch>
-            <a:fillRect/>
-          </a:stretch>
-        </p:blipFill>
-        <p:spPr>
-          <a:xfrm>
-            <a:off x="-2" y="4428935"/>
-            <a:ext cx="3409276" cy="2446244"/>
-          </a:xfrm>
-          <a:prstGeom prst="rect">
-            <a:avLst/>
-          </a:prstGeom>
-        </p:spPr>
-      </p:pic>
-    </p:spTree>
-    <p:extLst>
-      <p:ext uri="{BB962C8B-B14F-4D97-AF65-F5344CB8AC3E}">
-        <p14:creationId xmlns:p14="http://schemas.microsoft.com/office/powerpoint/2010/main" val="3968969172"/>
-      </p:ext>
-    </p:extLst>
-  </p:cSld>
-  <p:clrMapOvr>
-    <a:masterClrMapping/>
-  </p:clrMapOvr>
-</p:sld>
-</file>
-
-<file path=ppt/slides/slide13.xml><?xml version="1.0" encoding="utf-8"?>
-<p:sld xmlns:a="http://schemas.openxmlformats.org/drawingml/2006/main" xmlns:r="http://schemas.openxmlformats.org/officeDocument/2006/relationships" xmlns:p="http://schemas.openxmlformats.org/presentationml/2006/main">
-  <p:cSld>
-    <p:spTree>
-      <p:nvGrpSpPr>
-        <p:cNvPr id="1" name=""/>
-        <p:cNvGrpSpPr/>
-        <p:nvPr/>
-      </p:nvGrpSpPr>
-      <p:grpSpPr>
-        <a:xfrm>
-          <a:off x="0" y="0"/>
-          <a:ext cx="0" cy="0"/>
-          <a:chOff x="0" y="0"/>
-          <a:chExt cx="0" cy="0"/>
-        </a:xfrm>
-      </p:grpSpPr>
-      <p:sp>
-        <p:nvSpPr>
-          <p:cNvPr id="2" name="Title 1">
-            <a:extLst>
-              <a:ext uri="{FF2B5EF4-FFF2-40B4-BE49-F238E27FC236}">
-                <a16:creationId xmlns:a16="http://schemas.microsoft.com/office/drawing/2014/main" id="{F14B6A47-BB5B-4EED-9C24-B4635EA7594C}"/>
-              </a:ext>
-            </a:extLst>
-          </p:cNvPr>
-          <p:cNvSpPr>
-            <a:spLocks noGrp="1"/>
-          </p:cNvSpPr>
-          <p:nvPr>
-            <p:ph type="title"/>
-          </p:nvPr>
-        </p:nvSpPr>
-        <p:spPr>
-          <a:xfrm>
-            <a:off x="0" y="0"/>
-            <a:ext cx="9603275" cy="1049235"/>
-          </a:xfrm>
-        </p:spPr>
-        <p:txBody>
-          <a:bodyPr/>
-          <a:lstStyle/>
-          <a:p>
-            <a:r>
-              <a:rPr lang="en-US" dirty="0"/>
               <a:t>Case II</a:t>
-            </a:r>
-            <a:endParaRPr lang="en-ID" dirty="0"/>
-          </a:p>
-        </p:txBody>
-      </p:sp>
-      <p:graphicFrame>
-        <p:nvGraphicFramePr>
-          <p:cNvPr id="4" name="Table 4">
-            <a:extLst>
-              <a:ext uri="{FF2B5EF4-FFF2-40B4-BE49-F238E27FC236}">
-                <a16:creationId xmlns:a16="http://schemas.microsoft.com/office/drawing/2014/main" id="{1B00F96B-DBD1-469F-A104-89FBB7124C0E}"/>
-              </a:ext>
-            </a:extLst>
-          </p:cNvPr>
-          <p:cNvGraphicFramePr>
-            <a:graphicFrameLocks noGrp="1"/>
-          </p:cNvGraphicFramePr>
-          <p:nvPr>
-            <p:ph idx="1"/>
-            <p:extLst>
-              <p:ext uri="{D42A27DB-BD31-4B8C-83A1-F6EECF244321}">
-                <p14:modId xmlns:p14="http://schemas.microsoft.com/office/powerpoint/2010/main" val="1181708317"/>
-              </p:ext>
-            </p:extLst>
-          </p:nvPr>
-        </p:nvGraphicFramePr>
-        <p:xfrm>
-          <a:off x="-40354" y="474742"/>
-          <a:ext cx="8558896" cy="2979072"/>
-        </p:xfrm>
-        <a:graphic>
-          <a:graphicData uri="http://schemas.openxmlformats.org/drawingml/2006/table">
-            <a:tbl>
-              <a:tblPr firstRow="1" bandRow="1">
-                <a:tableStyleId>{5C22544A-7EE6-4342-B048-85BDC9FD1C3A}</a:tableStyleId>
-              </a:tblPr>
-              <a:tblGrid>
-                <a:gridCol w="2139724">
-                  <a:extLst>
-                    <a:ext uri="{9D8B030D-6E8A-4147-A177-3AD203B41FA5}">
-                      <a16:colId xmlns:a16="http://schemas.microsoft.com/office/drawing/2014/main" val="3285722595"/>
-                    </a:ext>
-                  </a:extLst>
-                </a:gridCol>
-                <a:gridCol w="2439379">
-                  <a:extLst>
-                    <a:ext uri="{9D8B030D-6E8A-4147-A177-3AD203B41FA5}">
-                      <a16:colId xmlns:a16="http://schemas.microsoft.com/office/drawing/2014/main" val="2418261936"/>
-                    </a:ext>
-                  </a:extLst>
-                </a:gridCol>
-                <a:gridCol w="2759826">
-                  <a:extLst>
-                    <a:ext uri="{9D8B030D-6E8A-4147-A177-3AD203B41FA5}">
-                      <a16:colId xmlns:a16="http://schemas.microsoft.com/office/drawing/2014/main" val="2792445621"/>
-                    </a:ext>
-                  </a:extLst>
-                </a:gridCol>
-                <a:gridCol w="1219967">
-                  <a:extLst>
-                    <a:ext uri="{9D8B030D-6E8A-4147-A177-3AD203B41FA5}">
-                      <a16:colId xmlns:a16="http://schemas.microsoft.com/office/drawing/2014/main" val="2169703754"/>
-                    </a:ext>
-                  </a:extLst>
-                </a:gridCol>
-              </a:tblGrid>
-              <a:tr h="566304">
-                <a:tc>
-                  <a:txBody>
-                    <a:bodyPr/>
-                    <a:lstStyle/>
-                    <a:p>
-                      <a:endParaRPr lang="en-ID" dirty="0"/>
-                    </a:p>
-                  </a:txBody>
-                  <a:tcPr/>
-                </a:tc>
-                <a:tc>
-                  <a:txBody>
-                    <a:bodyPr/>
-                    <a:lstStyle/>
-                    <a:p>
-                      <a:r>
-                        <a:rPr lang="en-US" dirty="0"/>
-                        <a:t>Recall prediabetic/ undiagnosed diabetic</a:t>
-                      </a:r>
-                      <a:endParaRPr lang="en-ID" dirty="0"/>
-                    </a:p>
-                  </a:txBody>
-                  <a:tcPr/>
-                </a:tc>
-                <a:tc>
-                  <a:txBody>
-                    <a:bodyPr/>
-                    <a:lstStyle/>
-                    <a:p>
-                      <a:r>
-                        <a:rPr lang="en-US" dirty="0" err="1"/>
-                        <a:t>Precission</a:t>
-                      </a:r>
-                      <a:r>
-                        <a:rPr lang="en-US" dirty="0"/>
-                        <a:t> prediabetic/ undiagnosed diabetic</a:t>
-                      </a:r>
-                      <a:endParaRPr lang="en-ID" dirty="0"/>
-                    </a:p>
-                  </a:txBody>
-                  <a:tcPr/>
-                </a:tc>
-                <a:tc>
-                  <a:txBody>
-                    <a:bodyPr/>
-                    <a:lstStyle/>
-                    <a:p>
-                      <a:r>
-                        <a:rPr lang="en-US" dirty="0"/>
-                        <a:t>Accuracy</a:t>
-                      </a:r>
-                      <a:endParaRPr lang="en-ID" dirty="0"/>
-                    </a:p>
-                  </a:txBody>
-                  <a:tcPr/>
-                </a:tc>
-                <a:extLst>
-                  <a:ext uri="{0D108BD9-81ED-4DB2-BD59-A6C34878D82A}">
-                    <a16:rowId xmlns:a16="http://schemas.microsoft.com/office/drawing/2014/main" val="4142776565"/>
-                  </a:ext>
-                </a:extLst>
-              </a:tr>
-              <a:tr h="566304">
-                <a:tc>
-                  <a:txBody>
-                    <a:bodyPr/>
-                    <a:lstStyle/>
-                    <a:p>
-                      <a:r>
-                        <a:rPr lang="en-US"/>
-                        <a:t>Logistic Regression</a:t>
-                      </a:r>
-                      <a:endParaRPr lang="en-ID" dirty="0"/>
-                    </a:p>
-                  </a:txBody>
-                  <a:tcPr/>
-                </a:tc>
-                <a:tc>
-                  <a:txBody>
-                    <a:bodyPr/>
-                    <a:lstStyle/>
-                    <a:p>
-                      <a:r>
-                        <a:rPr lang="en-US" dirty="0"/>
-                        <a:t>0.80</a:t>
-                      </a:r>
-                      <a:endParaRPr lang="en-ID" dirty="0"/>
-                    </a:p>
-                  </a:txBody>
-                  <a:tcPr/>
-                </a:tc>
-                <a:tc>
-                  <a:txBody>
-                    <a:bodyPr/>
-                    <a:lstStyle/>
-                    <a:p>
-                      <a:r>
-                        <a:rPr lang="en-US" dirty="0"/>
-                        <a:t>0.54</a:t>
-                      </a:r>
-                      <a:endParaRPr lang="en-ID" dirty="0"/>
-                    </a:p>
-                  </a:txBody>
-                  <a:tcPr/>
-                </a:tc>
-                <a:tc>
-                  <a:txBody>
-                    <a:bodyPr/>
-                    <a:lstStyle/>
-                    <a:p>
-                      <a:r>
-                        <a:rPr lang="en-US" dirty="0"/>
-                        <a:t>0.53</a:t>
-                      </a:r>
-                      <a:endParaRPr lang="en-ID" dirty="0"/>
-                    </a:p>
-                  </a:txBody>
-                  <a:tcPr/>
-                </a:tc>
-                <a:extLst>
-                  <a:ext uri="{0D108BD9-81ED-4DB2-BD59-A6C34878D82A}">
-                    <a16:rowId xmlns:a16="http://schemas.microsoft.com/office/drawing/2014/main" val="1890684443"/>
-                  </a:ext>
-                </a:extLst>
-              </a:tr>
-              <a:tr h="566304">
-                <a:tc>
-                  <a:txBody>
-                    <a:bodyPr/>
-                    <a:lstStyle/>
-                    <a:p>
-                      <a:r>
-                        <a:rPr lang="en-US" dirty="0">
-                          <a:solidFill>
-                            <a:schemeClr val="tx1"/>
-                          </a:solidFill>
-                          <a:highlight>
-                            <a:srgbClr val="FFFF00"/>
-                          </a:highlight>
-                        </a:rPr>
-                        <a:t>SVM</a:t>
-                      </a:r>
-                      <a:endParaRPr lang="en-ID" dirty="0">
-                        <a:solidFill>
-                          <a:schemeClr val="tx1"/>
-                        </a:solidFill>
-                        <a:highlight>
-                          <a:srgbClr val="FFFF00"/>
-                        </a:highlight>
-                      </a:endParaRPr>
-                    </a:p>
-                  </a:txBody>
-                  <a:tcPr/>
-                </a:tc>
-                <a:tc>
-                  <a:txBody>
-                    <a:bodyPr/>
-                    <a:lstStyle/>
-                    <a:p>
-                      <a:r>
-                        <a:rPr lang="en-US" dirty="0">
-                          <a:solidFill>
-                            <a:schemeClr val="tx1"/>
-                          </a:solidFill>
-                          <a:highlight>
-                            <a:srgbClr val="FFFF00"/>
-                          </a:highlight>
-                        </a:rPr>
-                        <a:t>0.92</a:t>
-                      </a:r>
-                      <a:endParaRPr lang="en-ID" dirty="0">
-                        <a:solidFill>
-                          <a:schemeClr val="tx1"/>
-                        </a:solidFill>
-                        <a:highlight>
-                          <a:srgbClr val="FFFF00"/>
-                        </a:highlight>
-                      </a:endParaRPr>
-                    </a:p>
-                  </a:txBody>
-                  <a:tcPr/>
-                </a:tc>
-                <a:tc>
-                  <a:txBody>
-                    <a:bodyPr/>
-                    <a:lstStyle/>
-                    <a:p>
-                      <a:r>
-                        <a:rPr lang="en-US" dirty="0">
-                          <a:solidFill>
-                            <a:schemeClr val="tx1"/>
-                          </a:solidFill>
-                          <a:highlight>
-                            <a:srgbClr val="FFFF00"/>
-                          </a:highlight>
-                        </a:rPr>
-                        <a:t>0.64</a:t>
-                      </a:r>
-                      <a:endParaRPr lang="en-ID" dirty="0">
-                        <a:solidFill>
-                          <a:schemeClr val="tx1"/>
-                        </a:solidFill>
-                        <a:highlight>
-                          <a:srgbClr val="FFFF00"/>
-                        </a:highlight>
-                      </a:endParaRPr>
-                    </a:p>
-                  </a:txBody>
-                  <a:tcPr/>
-                </a:tc>
-                <a:tc>
-                  <a:txBody>
-                    <a:bodyPr/>
-                    <a:lstStyle/>
-                    <a:p>
-                      <a:r>
-                        <a:rPr lang="en-US" dirty="0">
-                          <a:solidFill>
-                            <a:schemeClr val="tx1"/>
-                          </a:solidFill>
-                          <a:highlight>
-                            <a:srgbClr val="FFFF00"/>
-                          </a:highlight>
-                        </a:rPr>
-                        <a:t>0.68</a:t>
-                      </a:r>
-                      <a:endParaRPr lang="en-ID" dirty="0">
-                        <a:solidFill>
-                          <a:schemeClr val="tx1"/>
-                        </a:solidFill>
-                        <a:highlight>
-                          <a:srgbClr val="FFFF00"/>
-                        </a:highlight>
-                      </a:endParaRPr>
-                    </a:p>
-                  </a:txBody>
-                  <a:tcPr/>
-                </a:tc>
-                <a:extLst>
-                  <a:ext uri="{0D108BD9-81ED-4DB2-BD59-A6C34878D82A}">
-                    <a16:rowId xmlns:a16="http://schemas.microsoft.com/office/drawing/2014/main" val="2621166821"/>
-                  </a:ext>
-                </a:extLst>
-              </a:tr>
-              <a:tr h="566304">
-                <a:tc>
-                  <a:txBody>
-                    <a:bodyPr/>
-                    <a:lstStyle/>
-                    <a:p>
-                      <a:r>
-                        <a:rPr lang="en-ID" dirty="0"/>
-                        <a:t>Random Forest</a:t>
-                      </a:r>
-                    </a:p>
-                  </a:txBody>
-                  <a:tcPr/>
-                </a:tc>
-                <a:tc>
-                  <a:txBody>
-                    <a:bodyPr/>
-                    <a:lstStyle/>
-                    <a:p>
-                      <a:r>
-                        <a:rPr lang="en-US" dirty="0"/>
-                        <a:t>0.92</a:t>
-                      </a:r>
-                      <a:endParaRPr lang="en-ID" dirty="0"/>
-                    </a:p>
-                  </a:txBody>
-                  <a:tcPr/>
-                </a:tc>
-                <a:tc>
-                  <a:txBody>
-                    <a:bodyPr/>
-                    <a:lstStyle/>
-                    <a:p>
-                      <a:r>
-                        <a:rPr lang="en-US" dirty="0"/>
-                        <a:t>0.66</a:t>
-                      </a:r>
-                      <a:endParaRPr lang="en-ID" dirty="0"/>
-                    </a:p>
-                  </a:txBody>
-                  <a:tcPr/>
-                </a:tc>
-                <a:tc>
-                  <a:txBody>
-                    <a:bodyPr/>
-                    <a:lstStyle/>
-                    <a:p>
-                      <a:r>
-                        <a:rPr lang="en-US" dirty="0"/>
-                        <a:t>0.71</a:t>
-                      </a:r>
-                      <a:endParaRPr lang="en-ID" dirty="0"/>
-                    </a:p>
-                  </a:txBody>
-                  <a:tcPr/>
-                </a:tc>
-                <a:extLst>
-                  <a:ext uri="{0D108BD9-81ED-4DB2-BD59-A6C34878D82A}">
-                    <a16:rowId xmlns:a16="http://schemas.microsoft.com/office/drawing/2014/main" val="2780192116"/>
-                  </a:ext>
-                </a:extLst>
-              </a:tr>
-              <a:tr h="566304">
-                <a:tc>
-                  <a:txBody>
-                    <a:bodyPr/>
-                    <a:lstStyle/>
-                    <a:p>
-                      <a:r>
-                        <a:rPr lang="en-ID" dirty="0"/>
-                        <a:t>Gradient Boosting Classifier</a:t>
-                      </a:r>
-                    </a:p>
-                  </a:txBody>
-                  <a:tcPr/>
-                </a:tc>
-                <a:tc>
-                  <a:txBody>
-                    <a:bodyPr/>
-                    <a:lstStyle/>
-                    <a:p>
-                      <a:r>
-                        <a:rPr lang="en-US" dirty="0"/>
-                        <a:t>0.90</a:t>
-                      </a:r>
-                      <a:endParaRPr lang="en-ID" dirty="0"/>
-                    </a:p>
-                  </a:txBody>
-                  <a:tcPr/>
-                </a:tc>
-                <a:tc>
-                  <a:txBody>
-                    <a:bodyPr/>
-                    <a:lstStyle/>
-                    <a:p>
-                      <a:r>
-                        <a:rPr lang="en-US" dirty="0"/>
-                        <a:t>0.64</a:t>
-                      </a:r>
-                      <a:endParaRPr lang="en-ID" dirty="0"/>
-                    </a:p>
-                  </a:txBody>
-                  <a:tcPr/>
-                </a:tc>
-                <a:tc>
-                  <a:txBody>
-                    <a:bodyPr/>
-                    <a:lstStyle/>
-                    <a:p>
-                      <a:r>
-                        <a:rPr lang="en-US" dirty="0"/>
-                        <a:t>0.68</a:t>
-                      </a:r>
-                      <a:endParaRPr lang="en-ID" dirty="0"/>
-                    </a:p>
-                  </a:txBody>
-                  <a:tcPr/>
-                </a:tc>
-                <a:extLst>
-                  <a:ext uri="{0D108BD9-81ED-4DB2-BD59-A6C34878D82A}">
-                    <a16:rowId xmlns:a16="http://schemas.microsoft.com/office/drawing/2014/main" val="2770505548"/>
-                  </a:ext>
-                </a:extLst>
-              </a:tr>
-            </a:tbl>
-          </a:graphicData>
-        </a:graphic>
-      </p:graphicFrame>
-      <p:pic>
-        <p:nvPicPr>
-          <p:cNvPr id="6" name="Picture 5">
-            <a:extLst>
-              <a:ext uri="{FF2B5EF4-FFF2-40B4-BE49-F238E27FC236}">
-                <a16:creationId xmlns:a16="http://schemas.microsoft.com/office/drawing/2014/main" id="{B2765A82-8DEA-404C-82B1-B688E1C6538D}"/>
-              </a:ext>
-            </a:extLst>
-          </p:cNvPr>
-          <p:cNvPicPr>
-            <a:picLocks noChangeAspect="1"/>
-          </p:cNvPicPr>
-          <p:nvPr/>
-        </p:nvPicPr>
-        <p:blipFill>
-          <a:blip r:embed="rId2"/>
-          <a:stretch>
-            <a:fillRect/>
-          </a:stretch>
-        </p:blipFill>
-        <p:spPr>
-          <a:xfrm>
-            <a:off x="8205036" y="1738"/>
-            <a:ext cx="3983390" cy="2773445"/>
-          </a:xfrm>
-          <a:prstGeom prst="rect">
-            <a:avLst/>
-          </a:prstGeom>
-        </p:spPr>
-      </p:pic>
-      <p:pic>
-        <p:nvPicPr>
-          <p:cNvPr id="9" name="Picture 8">
-            <a:extLst>
-              <a:ext uri="{FF2B5EF4-FFF2-40B4-BE49-F238E27FC236}">
-                <a16:creationId xmlns:a16="http://schemas.microsoft.com/office/drawing/2014/main" id="{880F20DB-BDA7-48FB-BF4D-FCFCDFDCCAEF}"/>
-              </a:ext>
-            </a:extLst>
-          </p:cNvPr>
-          <p:cNvPicPr>
-            <a:picLocks noChangeAspect="1"/>
-          </p:cNvPicPr>
-          <p:nvPr/>
-        </p:nvPicPr>
-        <p:blipFill>
-          <a:blip r:embed="rId3"/>
-          <a:stretch>
-            <a:fillRect/>
-          </a:stretch>
-        </p:blipFill>
-        <p:spPr>
-          <a:xfrm>
-            <a:off x="8226235" y="3168998"/>
-            <a:ext cx="3983390" cy="2789157"/>
-          </a:xfrm>
-          <a:prstGeom prst="rect">
-            <a:avLst/>
-          </a:prstGeom>
-        </p:spPr>
-      </p:pic>
-      <p:pic>
-        <p:nvPicPr>
-          <p:cNvPr id="10" name="Picture 9">
-            <a:extLst>
-              <a:ext uri="{FF2B5EF4-FFF2-40B4-BE49-F238E27FC236}">
-                <a16:creationId xmlns:a16="http://schemas.microsoft.com/office/drawing/2014/main" id="{25AAB649-B5FC-48B6-B75C-FB155817167E}"/>
-              </a:ext>
-            </a:extLst>
-          </p:cNvPr>
-          <p:cNvPicPr>
-            <a:picLocks noChangeAspect="1"/>
-          </p:cNvPicPr>
-          <p:nvPr/>
-        </p:nvPicPr>
-        <p:blipFill rotWithShape="1">
-          <a:blip r:embed="rId4"/>
-          <a:srcRect l="1654" t="2450"/>
-          <a:stretch/>
-        </p:blipFill>
-        <p:spPr>
-          <a:xfrm>
-            <a:off x="4120771" y="3689003"/>
-            <a:ext cx="4105463" cy="2939220"/>
-          </a:xfrm>
-          <a:prstGeom prst="rect">
-            <a:avLst/>
-          </a:prstGeom>
-        </p:spPr>
-      </p:pic>
-      <p:pic>
-        <p:nvPicPr>
-          <p:cNvPr id="11" name="Picture 10">
-            <a:extLst>
-              <a:ext uri="{FF2B5EF4-FFF2-40B4-BE49-F238E27FC236}">
-                <a16:creationId xmlns:a16="http://schemas.microsoft.com/office/drawing/2014/main" id="{8154E56F-6937-4BA3-B82E-4C3C21D0D1DE}"/>
-              </a:ext>
-            </a:extLst>
-          </p:cNvPr>
-          <p:cNvPicPr>
-            <a:picLocks noChangeAspect="1"/>
-          </p:cNvPicPr>
-          <p:nvPr/>
-        </p:nvPicPr>
-        <p:blipFill>
-          <a:blip r:embed="rId5"/>
-          <a:stretch>
-            <a:fillRect/>
-          </a:stretch>
-        </p:blipFill>
-        <p:spPr>
-          <a:xfrm>
-            <a:off x="-40354" y="3689002"/>
-            <a:ext cx="4105463" cy="2926501"/>
-          </a:xfrm>
-          <a:prstGeom prst="rect">
-            <a:avLst/>
-          </a:prstGeom>
-        </p:spPr>
-      </p:pic>
-    </p:spTree>
-    <p:extLst>
-      <p:ext uri="{BB962C8B-B14F-4D97-AF65-F5344CB8AC3E}">
-        <p14:creationId xmlns:p14="http://schemas.microsoft.com/office/powerpoint/2010/main" val="3204462416"/>
-      </p:ext>
-    </p:extLst>
-  </p:cSld>
-  <p:clrMapOvr>
-    <a:masterClrMapping/>
-  </p:clrMapOvr>
-</p:sld>
-</file>
-
-<file path=ppt/slides/slide14.xml><?xml version="1.0" encoding="utf-8"?>
-<p:sld xmlns:a="http://schemas.openxmlformats.org/drawingml/2006/main" xmlns:r="http://schemas.openxmlformats.org/officeDocument/2006/relationships" xmlns:p="http://schemas.openxmlformats.org/presentationml/2006/main">
-  <p:cSld>
-    <p:spTree>
-      <p:nvGrpSpPr>
-        <p:cNvPr id="1" name=""/>
-        <p:cNvGrpSpPr/>
-        <p:nvPr/>
-      </p:nvGrpSpPr>
-      <p:grpSpPr>
-        <a:xfrm>
-          <a:off x="0" y="0"/>
-          <a:ext cx="0" cy="0"/>
-          <a:chOff x="0" y="0"/>
-          <a:chExt cx="0" cy="0"/>
-        </a:xfrm>
-      </p:grpSpPr>
-      <p:sp>
-        <p:nvSpPr>
-          <p:cNvPr id="2" name="Title 1">
-            <a:extLst>
-              <a:ext uri="{FF2B5EF4-FFF2-40B4-BE49-F238E27FC236}">
-                <a16:creationId xmlns:a16="http://schemas.microsoft.com/office/drawing/2014/main" id="{F14B6A47-BB5B-4EED-9C24-B4635EA7594C}"/>
-              </a:ext>
-            </a:extLst>
-          </p:cNvPr>
-          <p:cNvSpPr>
-            <a:spLocks noGrp="1"/>
-          </p:cNvSpPr>
-          <p:nvPr>
-            <p:ph type="title"/>
-          </p:nvPr>
-        </p:nvSpPr>
-        <p:spPr>
-          <a:xfrm>
-            <a:off x="0" y="0"/>
-            <a:ext cx="9603275" cy="1049235"/>
-          </a:xfrm>
-        </p:spPr>
-        <p:txBody>
-          <a:bodyPr/>
-          <a:lstStyle/>
-          <a:p>
-            <a:r>
-              <a:rPr lang="en-US" dirty="0"/>
-              <a:t>Case II FAT</a:t>
             </a:r>
             <a:endParaRPr lang="en-ID" dirty="0"/>
           </a:p>
@@ -7209,10 +4918,10 @@
       </p:graphicFrame>
       <p:pic>
         <p:nvPicPr>
-          <p:cNvPr id="3" name="Picture 2">
+          <p:cNvPr id="6" name="Picture 5">
             <a:extLst>
               <a:ext uri="{FF2B5EF4-FFF2-40B4-BE49-F238E27FC236}">
-                <a16:creationId xmlns:a16="http://schemas.microsoft.com/office/drawing/2014/main" id="{CFE670BE-A90D-4D91-A18D-668DA67594BF}"/>
+                <a16:creationId xmlns:a16="http://schemas.microsoft.com/office/drawing/2014/main" id="{99365169-1AC8-4D2F-B903-687C0AF6B425}"/>
               </a:ext>
             </a:extLst>
           </p:cNvPr>
@@ -7229,8 +4938,8 @@
         </p:blipFill>
         <p:spPr>
           <a:xfrm>
-            <a:off x="8092277" y="625563"/>
-            <a:ext cx="4099723" cy="2837041"/>
+            <a:off x="8503600" y="343132"/>
+            <a:ext cx="3688400" cy="2613887"/>
           </a:xfrm>
           <a:prstGeom prst="rect">
             <a:avLst/>
@@ -7239,10 +4948,10 @@
       </p:pic>
       <p:pic>
         <p:nvPicPr>
-          <p:cNvPr id="5" name="Picture 4">
+          <p:cNvPr id="9" name="Picture 8">
             <a:extLst>
               <a:ext uri="{FF2B5EF4-FFF2-40B4-BE49-F238E27FC236}">
-                <a16:creationId xmlns:a16="http://schemas.microsoft.com/office/drawing/2014/main" id="{6E628E9E-9426-437D-BAEA-E44BA793BAB8}"/>
+                <a16:creationId xmlns:a16="http://schemas.microsoft.com/office/drawing/2014/main" id="{D32A4A79-0C14-4D08-9DB1-051738D7E1EF}"/>
               </a:ext>
             </a:extLst>
           </p:cNvPr>
@@ -7259,8 +4968,8 @@
         </p:blipFill>
         <p:spPr>
           <a:xfrm>
-            <a:off x="8092277" y="3664025"/>
-            <a:ext cx="4099723" cy="2754133"/>
+            <a:off x="8511221" y="3261062"/>
+            <a:ext cx="3680779" cy="2636748"/>
           </a:xfrm>
           <a:prstGeom prst="rect">
             <a:avLst/>
@@ -7269,10 +4978,10 @@
       </p:pic>
       <p:pic>
         <p:nvPicPr>
-          <p:cNvPr id="7" name="Picture 6">
+          <p:cNvPr id="10" name="Picture 9">
             <a:extLst>
               <a:ext uri="{FF2B5EF4-FFF2-40B4-BE49-F238E27FC236}">
-                <a16:creationId xmlns:a16="http://schemas.microsoft.com/office/drawing/2014/main" id="{888CE639-8754-4A23-A7A7-6034CF075004}"/>
+                <a16:creationId xmlns:a16="http://schemas.microsoft.com/office/drawing/2014/main" id="{CB261C61-5E09-4D3E-905D-5DAE85A2AC34}"/>
               </a:ext>
             </a:extLst>
           </p:cNvPr>
@@ -7289,8 +4998,8 @@
         </p:blipFill>
         <p:spPr>
           <a:xfrm>
-            <a:off x="-25809" y="4052329"/>
-            <a:ext cx="3949416" cy="2806371"/>
+            <a:off x="4473138" y="4228872"/>
+            <a:ext cx="3688400" cy="2629128"/>
           </a:xfrm>
           <a:prstGeom prst="rect">
             <a:avLst/>
@@ -7299,10 +5008,10 @@
       </p:pic>
       <p:pic>
         <p:nvPicPr>
-          <p:cNvPr id="8" name="Picture 7">
+          <p:cNvPr id="11" name="Picture 10">
             <a:extLst>
               <a:ext uri="{FF2B5EF4-FFF2-40B4-BE49-F238E27FC236}">
-                <a16:creationId xmlns:a16="http://schemas.microsoft.com/office/drawing/2014/main" id="{6F060F15-1F7E-46CB-A8F5-88BAA424EC9E}"/>
+                <a16:creationId xmlns:a16="http://schemas.microsoft.com/office/drawing/2014/main" id="{AE8F8CFD-F4F7-48FE-BCC7-6A067F42B911}"/>
               </a:ext>
             </a:extLst>
           </p:cNvPr>
@@ -7319,8 +5028,8 @@
         </p:blipFill>
         <p:spPr>
           <a:xfrm>
-            <a:off x="4021277" y="4023360"/>
-            <a:ext cx="4071000" cy="2848058"/>
+            <a:off x="311227" y="4270146"/>
+            <a:ext cx="3749365" cy="2629128"/>
           </a:xfrm>
           <a:prstGeom prst="rect">
             <a:avLst/>
@@ -7340,7 +5049,7 @@
 </p:sld>
 </file>
 
-<file path=ppt/slides/slide15.xml><?xml version="1.0" encoding="utf-8"?>
+<file path=ppt/slides/slide12.xml><?xml version="1.0" encoding="utf-8"?>
 <p:sld xmlns:a="http://schemas.openxmlformats.org/drawingml/2006/main" xmlns:r="http://schemas.openxmlformats.org/officeDocument/2006/relationships" xmlns:p="http://schemas.openxmlformats.org/presentationml/2006/main">
   <p:cSld>
     <p:spTree>
@@ -7517,7 +5226,7 @@
 </p:sld>
 </file>
 
-<file path=ppt/slides/slide16.xml><?xml version="1.0" encoding="utf-8"?>
+<file path=ppt/slides/slide13.xml><?xml version="1.0" encoding="utf-8"?>
 <p:sld xmlns:a="http://schemas.openxmlformats.org/drawingml/2006/main" xmlns:r="http://schemas.openxmlformats.org/officeDocument/2006/relationships" xmlns:p="http://schemas.openxmlformats.org/presentationml/2006/main">
   <p:cSld>
     <p:spTree>
@@ -7621,15 +5330,6 @@
             <a:pPr marL="0" indent="0">
               <a:buNone/>
             </a:pPr>
-            <a:r>
-              <a:rPr lang="en-US" dirty="0"/>
-              <a:t>	- Data trunk% fat and head% fat may be can predict risk diabetes/ prediabetes</a:t>
-            </a:r>
-          </a:p>
-          <a:p>
-            <a:pPr marL="0" indent="0">
-              <a:buNone/>
-            </a:pPr>
             <a:endParaRPr lang="en-US" dirty="0"/>
           </a:p>
           <a:p>
@@ -7653,7 +5353,7 @@
 </p:sld>
 </file>
 
-<file path=ppt/slides/slide17.xml><?xml version="1.0" encoding="utf-8"?>
+<file path=ppt/slides/slide14.xml><?xml version="1.0" encoding="utf-8"?>
 <p:sld xmlns:a="http://schemas.openxmlformats.org/drawingml/2006/main" xmlns:r="http://schemas.openxmlformats.org/officeDocument/2006/relationships" xmlns:p="http://schemas.openxmlformats.org/presentationml/2006/main">
   <p:cSld>
     <p:spTree>
@@ -7699,177 +5399,10 @@
           </a:p>
         </p:txBody>
       </p:sp>
-      <p:sp>
-        <p:nvSpPr>
-          <p:cNvPr id="3" name="Subtitle 2">
-            <a:extLst>
-              <a:ext uri="{FF2B5EF4-FFF2-40B4-BE49-F238E27FC236}">
-                <a16:creationId xmlns:a16="http://schemas.microsoft.com/office/drawing/2014/main" id="{674F09F5-99C4-47E2-922C-4A2DB4F8BD9C}"/>
-              </a:ext>
-            </a:extLst>
-          </p:cNvPr>
-          <p:cNvSpPr>
-            <a:spLocks noGrp="1"/>
-          </p:cNvSpPr>
-          <p:nvPr>
-            <p:ph type="subTitle" idx="1"/>
-          </p:nvPr>
-        </p:nvSpPr>
-        <p:spPr/>
-        <p:txBody>
-          <a:bodyPr/>
-          <a:lstStyle/>
-          <a:p>
-            <a:endParaRPr lang="en-ID"/>
-          </a:p>
-        </p:txBody>
-      </p:sp>
     </p:spTree>
     <p:extLst>
       <p:ext uri="{BB962C8B-B14F-4D97-AF65-F5344CB8AC3E}">
         <p14:creationId xmlns:p14="http://schemas.microsoft.com/office/powerpoint/2010/main" val="3774228737"/>
-      </p:ext>
-    </p:extLst>
-  </p:cSld>
-  <p:clrMapOvr>
-    <a:masterClrMapping/>
-  </p:clrMapOvr>
-</p:sld>
-</file>
-
-<file path=ppt/slides/slide18.xml><?xml version="1.0" encoding="utf-8"?>
-<p:sld xmlns:a="http://schemas.openxmlformats.org/drawingml/2006/main" xmlns:r="http://schemas.openxmlformats.org/officeDocument/2006/relationships" xmlns:p="http://schemas.openxmlformats.org/presentationml/2006/main">
-  <p:cSld>
-    <p:spTree>
-      <p:nvGrpSpPr>
-        <p:cNvPr id="1" name=""/>
-        <p:cNvGrpSpPr/>
-        <p:nvPr/>
-      </p:nvGrpSpPr>
-      <p:grpSpPr>
-        <a:xfrm>
-          <a:off x="0" y="0"/>
-          <a:ext cx="0" cy="0"/>
-          <a:chOff x="0" y="0"/>
-          <a:chExt cx="0" cy="0"/>
-        </a:xfrm>
-      </p:grpSpPr>
-      <p:sp>
-        <p:nvSpPr>
-          <p:cNvPr id="2" name="Title 1">
-            <a:extLst>
-              <a:ext uri="{FF2B5EF4-FFF2-40B4-BE49-F238E27FC236}">
-                <a16:creationId xmlns:a16="http://schemas.microsoft.com/office/drawing/2014/main" id="{0159A2CD-30E4-4496-8A04-855B1777A24E}"/>
-              </a:ext>
-            </a:extLst>
-          </p:cNvPr>
-          <p:cNvSpPr>
-            <a:spLocks noGrp="1"/>
-          </p:cNvSpPr>
-          <p:nvPr>
-            <p:ph type="title"/>
-          </p:nvPr>
-        </p:nvSpPr>
-        <p:spPr/>
-        <p:txBody>
-          <a:bodyPr/>
-          <a:lstStyle/>
-          <a:p>
-            <a:endParaRPr lang="en-ID"/>
-          </a:p>
-        </p:txBody>
-      </p:sp>
-      <p:sp>
-        <p:nvSpPr>
-          <p:cNvPr id="3" name="Content Placeholder 2">
-            <a:extLst>
-              <a:ext uri="{FF2B5EF4-FFF2-40B4-BE49-F238E27FC236}">
-                <a16:creationId xmlns:a16="http://schemas.microsoft.com/office/drawing/2014/main" id="{D4324E5B-066E-49CB-BE47-D44527128706}"/>
-              </a:ext>
-            </a:extLst>
-          </p:cNvPr>
-          <p:cNvSpPr>
-            <a:spLocks noGrp="1"/>
-          </p:cNvSpPr>
-          <p:nvPr>
-            <p:ph idx="1"/>
-          </p:nvPr>
-        </p:nvSpPr>
-        <p:spPr/>
-        <p:txBody>
-          <a:bodyPr/>
-          <a:lstStyle/>
-          <a:p>
-            <a:endParaRPr lang="en-ID"/>
-          </a:p>
-        </p:txBody>
-      </p:sp>
-    </p:spTree>
-    <p:extLst>
-      <p:ext uri="{BB962C8B-B14F-4D97-AF65-F5344CB8AC3E}">
-        <p14:creationId xmlns:p14="http://schemas.microsoft.com/office/powerpoint/2010/main" val="706030107"/>
-      </p:ext>
-    </p:extLst>
-  </p:cSld>
-  <p:clrMapOvr>
-    <a:masterClrMapping/>
-  </p:clrMapOvr>
-</p:sld>
-</file>
-
-<file path=ppt/slides/slide19.xml><?xml version="1.0" encoding="utf-8"?>
-<p:sld xmlns:a="http://schemas.openxmlformats.org/drawingml/2006/main" xmlns:r="http://schemas.openxmlformats.org/officeDocument/2006/relationships" xmlns:p="http://schemas.openxmlformats.org/presentationml/2006/main">
-  <p:cSld>
-    <p:spTree>
-      <p:nvGrpSpPr>
-        <p:cNvPr id="1" name=""/>
-        <p:cNvGrpSpPr/>
-        <p:nvPr/>
-      </p:nvGrpSpPr>
-      <p:grpSpPr>
-        <a:xfrm>
-          <a:off x="0" y="0"/>
-          <a:ext cx="0" cy="0"/>
-          <a:chOff x="0" y="0"/>
-          <a:chExt cx="0" cy="0"/>
-        </a:xfrm>
-      </p:grpSpPr>
-      <p:pic>
-        <p:nvPicPr>
-          <p:cNvPr id="4" name="Content Placeholder 3">
-            <a:extLst>
-              <a:ext uri="{FF2B5EF4-FFF2-40B4-BE49-F238E27FC236}">
-                <a16:creationId xmlns:a16="http://schemas.microsoft.com/office/drawing/2014/main" id="{FCF8A527-21FE-4BB5-BFD5-A7C86F0D2F93}"/>
-              </a:ext>
-            </a:extLst>
-          </p:cNvPr>
-          <p:cNvPicPr>
-            <a:picLocks noGrp="1" noChangeAspect="1"/>
-          </p:cNvPicPr>
-          <p:nvPr>
-            <p:ph idx="1"/>
-          </p:nvPr>
-        </p:nvPicPr>
-        <p:blipFill>
-          <a:blip r:embed="rId2"/>
-          <a:stretch>
-            <a:fillRect/>
-          </a:stretch>
-        </p:blipFill>
-        <p:spPr>
-          <a:xfrm>
-            <a:off x="2266414" y="-55291"/>
-            <a:ext cx="7973603" cy="6798728"/>
-          </a:xfrm>
-          <a:prstGeom prst="rect">
-            <a:avLst/>
-          </a:prstGeom>
-        </p:spPr>
-      </p:pic>
-    </p:spTree>
-    <p:extLst>
-      <p:ext uri="{BB962C8B-B14F-4D97-AF65-F5344CB8AC3E}">
-        <p14:creationId xmlns:p14="http://schemas.microsoft.com/office/powerpoint/2010/main" val="3330981573"/>
       </p:ext>
     </p:extLst>
   </p:cSld>
@@ -8121,116 +5654,6 @@
     <p:extLst>
       <p:ext uri="{BB962C8B-B14F-4D97-AF65-F5344CB8AC3E}">
         <p14:creationId xmlns:p14="http://schemas.microsoft.com/office/powerpoint/2010/main" val="4210514339"/>
-      </p:ext>
-    </p:extLst>
-  </p:cSld>
-  <p:clrMapOvr>
-    <a:masterClrMapping/>
-  </p:clrMapOvr>
-</p:sld>
-</file>
-
-<file path=ppt/slides/slide20.xml><?xml version="1.0" encoding="utf-8"?>
-<p:sld xmlns:a="http://schemas.openxmlformats.org/drawingml/2006/main" xmlns:r="http://schemas.openxmlformats.org/officeDocument/2006/relationships" xmlns:p="http://schemas.openxmlformats.org/presentationml/2006/main">
-  <p:cSld>
-    <p:spTree>
-      <p:nvGrpSpPr>
-        <p:cNvPr id="1" name=""/>
-        <p:cNvGrpSpPr/>
-        <p:nvPr/>
-      </p:nvGrpSpPr>
-      <p:grpSpPr>
-        <a:xfrm>
-          <a:off x="0" y="0"/>
-          <a:ext cx="0" cy="0"/>
-          <a:chOff x="0" y="0"/>
-          <a:chExt cx="0" cy="0"/>
-        </a:xfrm>
-      </p:grpSpPr>
-      <p:sp>
-        <p:nvSpPr>
-          <p:cNvPr id="2" name="Title 1">
-            <a:extLst>
-              <a:ext uri="{FF2B5EF4-FFF2-40B4-BE49-F238E27FC236}">
-                <a16:creationId xmlns:a16="http://schemas.microsoft.com/office/drawing/2014/main" id="{06426A53-D0B3-481A-95CE-9AB07FE3195D}"/>
-              </a:ext>
-            </a:extLst>
-          </p:cNvPr>
-          <p:cNvSpPr>
-            <a:spLocks noGrp="1"/>
-          </p:cNvSpPr>
-          <p:nvPr>
-            <p:ph type="title"/>
-          </p:nvPr>
-        </p:nvSpPr>
-        <p:spPr/>
-        <p:txBody>
-          <a:bodyPr/>
-          <a:lstStyle/>
-          <a:p>
-            <a:endParaRPr lang="en-ID"/>
-          </a:p>
-        </p:txBody>
-      </p:sp>
-      <p:sp>
-        <p:nvSpPr>
-          <p:cNvPr id="3" name="Content Placeholder 2">
-            <a:extLst>
-              <a:ext uri="{FF2B5EF4-FFF2-40B4-BE49-F238E27FC236}">
-                <a16:creationId xmlns:a16="http://schemas.microsoft.com/office/drawing/2014/main" id="{39137EA3-A1E1-4DA4-8767-B9052705E5F1}"/>
-              </a:ext>
-            </a:extLst>
-          </p:cNvPr>
-          <p:cNvSpPr>
-            <a:spLocks noGrp="1"/>
-          </p:cNvSpPr>
-          <p:nvPr>
-            <p:ph idx="1"/>
-          </p:nvPr>
-        </p:nvSpPr>
-        <p:spPr/>
-        <p:txBody>
-          <a:bodyPr/>
-          <a:lstStyle/>
-          <a:p>
-            <a:endParaRPr lang="en-ID"/>
-          </a:p>
-        </p:txBody>
-      </p:sp>
-      <p:pic>
-        <p:nvPicPr>
-          <p:cNvPr id="4" name="Picture 3">
-            <a:extLst>
-              <a:ext uri="{FF2B5EF4-FFF2-40B4-BE49-F238E27FC236}">
-                <a16:creationId xmlns:a16="http://schemas.microsoft.com/office/drawing/2014/main" id="{07067FFC-0340-4C79-8C1D-5C5221D8F0DB}"/>
-              </a:ext>
-            </a:extLst>
-          </p:cNvPr>
-          <p:cNvPicPr>
-            <a:picLocks noChangeAspect="1"/>
-          </p:cNvPicPr>
-          <p:nvPr/>
-        </p:nvPicPr>
-        <p:blipFill>
-          <a:blip r:embed="rId2"/>
-          <a:stretch>
-            <a:fillRect/>
-          </a:stretch>
-        </p:blipFill>
-        <p:spPr>
-          <a:xfrm>
-            <a:off x="1451578" y="424812"/>
-            <a:ext cx="9454719" cy="5363735"/>
-          </a:xfrm>
-          <a:prstGeom prst="rect">
-            <a:avLst/>
-          </a:prstGeom>
-        </p:spPr>
-      </p:pic>
-    </p:spTree>
-    <p:extLst>
-      <p:ext uri="{BB962C8B-B14F-4D97-AF65-F5344CB8AC3E}">
-        <p14:creationId xmlns:p14="http://schemas.microsoft.com/office/powerpoint/2010/main" val="449716026"/>
       </p:ext>
     </p:extLst>
   </p:cSld>
@@ -9089,7 +6512,7 @@
             <p:ph idx="1"/>
             <p:extLst>
               <p:ext uri="{D42A27DB-BD31-4B8C-83A1-F6EECF244321}">
-                <p14:modId xmlns:p14="http://schemas.microsoft.com/office/powerpoint/2010/main" val="2123906694"/>
+                <p14:modId xmlns:p14="http://schemas.microsoft.com/office/powerpoint/2010/main" val="1990892138"/>
               </p:ext>
             </p:extLst>
           </p:nvPr>
@@ -9384,10 +6807,10 @@
                         <a:defRPr/>
                       </a:pPr>
                       <a:r>
-                        <a:rPr lang="en-ID" dirty="0" err="1"/>
+                        <a:rPr lang="en-ID" strike="sngStrike" dirty="0" err="1"/>
                         <a:t>diabetic_relative</a:t>
                       </a:r>
-                      <a:endParaRPr lang="en-ID" dirty="0"/>
+                      <a:endParaRPr lang="en-ID" strike="sngStrike" dirty="0"/>
                     </a:p>
                   </a:txBody>
                   <a:tcPr/>
@@ -9597,6 +7020,71 @@
                         <a:t>arm_circumference</a:t>
                       </a:r>
                       <a:endParaRPr lang="en-ID" dirty="0"/>
+                    </a:p>
+                  </a:txBody>
+                  <a:tcPr/>
+                </a:tc>
+                <a:tc>
+                  <a:txBody>
+                    <a:bodyPr/>
+                    <a:lstStyle/>
+                    <a:p>
+                      <a:pPr marL="0" marR="0" lvl="0" indent="0" algn="l" defTabSz="914400" rtl="0" eaLnBrk="1" fontAlgn="auto" latinLnBrk="0" hangingPunct="1">
+                        <a:lnSpc>
+                          <a:spcPct val="100000"/>
+                        </a:lnSpc>
+                        <a:spcBef>
+                          <a:spcPts val="0"/>
+                        </a:spcBef>
+                        <a:spcAft>
+                          <a:spcPts val="0"/>
+                        </a:spcAft>
+                        <a:buClrTx/>
+                        <a:buSzTx/>
+                        <a:buFontTx/>
+                        <a:buNone/>
+                        <a:tabLst/>
+                        <a:defRPr/>
+                      </a:pPr>
+                      <a:r>
+                        <a:rPr lang="en-ID" strike="sngStrike" dirty="0" err="1"/>
+                        <a:t>arm_circumference</a:t>
+                      </a:r>
+                      <a:endParaRPr lang="en-ID" strike="sngStrike" dirty="0"/>
+                    </a:p>
+                  </a:txBody>
+                  <a:tcPr/>
+                </a:tc>
+                <a:extLst>
+                  <a:ext uri="{0D108BD9-81ED-4DB2-BD59-A6C34878D82A}">
+                    <a16:rowId xmlns:a16="http://schemas.microsoft.com/office/drawing/2014/main" val="827204044"/>
+                  </a:ext>
+                </a:extLst>
+              </a:tr>
+              <a:tr h="419171">
+                <a:tc vMerge="1">
+                  <a:txBody>
+                    <a:bodyPr/>
+                    <a:lstStyle/>
+                    <a:p>
+                      <a:endParaRPr lang="en-ID" dirty="0"/>
+                    </a:p>
+                  </a:txBody>
+                  <a:tcPr/>
+                </a:tc>
+                <a:tc>
+                  <a:txBody>
+                    <a:bodyPr/>
+                    <a:lstStyle/>
+                    <a:p>
+                      <a:r>
+                        <a:rPr lang="en-ID" dirty="0" err="1"/>
+                        <a:t>WH_ratio</a:t>
+                      </a:r>
+                      <a:r>
+                        <a:rPr lang="en-ID" dirty="0"/>
+                        <a:t> </a:t>
+                      </a:r>
                     </a:p>
                   </a:txBody>
                   <a:tcPr/>
@@ -9637,57 +7125,6 @@
                 </a:tc>
                 <a:extLst>
                   <a:ext uri="{0D108BD9-81ED-4DB2-BD59-A6C34878D82A}">
-                    <a16:rowId xmlns:a16="http://schemas.microsoft.com/office/drawing/2014/main" val="827204044"/>
-                  </a:ext>
-                </a:extLst>
-              </a:tr>
-              <a:tr h="419171">
-                <a:tc vMerge="1">
-                  <a:txBody>
-                    <a:bodyPr/>
-                    <a:lstStyle/>
-                    <a:p>
-                      <a:endParaRPr lang="en-ID" dirty="0"/>
-                    </a:p>
-                  </a:txBody>
-                  <a:tcPr/>
-                </a:tc>
-                <a:tc>
-                  <a:txBody>
-                    <a:bodyPr/>
-                    <a:lstStyle/>
-                    <a:p>
-                      <a:r>
-                        <a:rPr lang="en-ID" dirty="0" err="1"/>
-                        <a:t>WH_ratio</a:t>
-                      </a:r>
-                      <a:r>
-                        <a:rPr lang="en-ID" dirty="0"/>
-                        <a:t> </a:t>
-                      </a:r>
-                    </a:p>
-                  </a:txBody>
-                  <a:tcPr/>
-                </a:tc>
-                <a:tc>
-                  <a:txBody>
-                    <a:bodyPr/>
-                    <a:lstStyle/>
-                    <a:p>
-                      <a:r>
-                        <a:rPr lang="en-ID" dirty="0" err="1"/>
-                        <a:t>glucose_mg</a:t>
-                      </a:r>
-                      <a:r>
-                        <a:rPr lang="en-ID" dirty="0"/>
-                        <a:t>/dL </a:t>
-                      </a:r>
-                    </a:p>
-                  </a:txBody>
-                  <a:tcPr/>
-                </a:tc>
-                <a:extLst>
-                  <a:ext uri="{0D108BD9-81ED-4DB2-BD59-A6C34878D82A}">
                     <a16:rowId xmlns:a16="http://schemas.microsoft.com/office/drawing/2014/main" val="556304230"/>
                   </a:ext>
                 </a:extLst>
@@ -9726,21 +7163,101 @@
                         <a:defRPr/>
                       </a:pPr>
                       <a:r>
-                        <a:rPr lang="en-ID" dirty="0" err="1">
-                          <a:highlight>
-                            <a:srgbClr val="FFFF00"/>
-                          </a:highlight>
-                        </a:rPr>
+                        <a:rPr lang="en-ID" strike="sngStrike" dirty="0" err="1"/>
                         <a:t>vigorous_recreational_activities</a:t>
                       </a:r>
                       <a:r>
-                        <a:rPr lang="en-ID" dirty="0">
-                          <a:highlight>
-                            <a:srgbClr val="FFFF00"/>
-                          </a:highlight>
-                        </a:rPr>
+                        <a:rPr lang="en-ID" strike="sngStrike" dirty="0"/>
                         <a:t> </a:t>
                       </a:r>
+                    </a:p>
+                  </a:txBody>
+                  <a:tcPr/>
+                </a:tc>
+                <a:tc>
+                  <a:txBody>
+                    <a:bodyPr/>
+                    <a:lstStyle/>
+                    <a:p>
+                      <a:r>
+                        <a:rPr lang="en-ID" strike="sngStrike" dirty="0" err="1"/>
+                        <a:t>head%_fat</a:t>
+                      </a:r>
+                      <a:r>
+                        <a:rPr lang="en-ID" strike="sngStrike" dirty="0"/>
+                        <a:t> </a:t>
+                      </a:r>
+                    </a:p>
+                  </a:txBody>
+                  <a:tcPr/>
+                </a:tc>
+                <a:extLst>
+                  <a:ext uri="{0D108BD9-81ED-4DB2-BD59-A6C34878D82A}">
+                    <a16:rowId xmlns:a16="http://schemas.microsoft.com/office/drawing/2014/main" val="3669866060"/>
+                  </a:ext>
+                </a:extLst>
+              </a:tr>
+              <a:tr h="419171">
+                <a:tc vMerge="1">
+                  <a:txBody>
+                    <a:bodyPr/>
+                    <a:lstStyle/>
+                    <a:p>
+                      <a:endParaRPr lang="en-ID" dirty="0"/>
+                    </a:p>
+                  </a:txBody>
+                  <a:tcPr/>
+                </a:tc>
+                <a:tc>
+                  <a:txBody>
+                    <a:bodyPr/>
+                    <a:lstStyle/>
+                    <a:p>
+                      <a:endParaRPr lang="en-ID"/>
+                    </a:p>
+                  </a:txBody>
+                  <a:tcPr/>
+                </a:tc>
+                <a:tc>
+                  <a:txBody>
+                    <a:bodyPr/>
+                    <a:lstStyle/>
+                    <a:p>
+                      <a:r>
+                        <a:rPr lang="en-ID" dirty="0" err="1"/>
+                        <a:t>glucose_mg</a:t>
+                      </a:r>
+                      <a:r>
+                        <a:rPr lang="en-ID" dirty="0"/>
+                        <a:t>/dL </a:t>
+                      </a:r>
+                    </a:p>
+                  </a:txBody>
+                  <a:tcPr/>
+                </a:tc>
+                <a:extLst>
+                  <a:ext uri="{0D108BD9-81ED-4DB2-BD59-A6C34878D82A}">
+                    <a16:rowId xmlns:a16="http://schemas.microsoft.com/office/drawing/2014/main" val="2682708679"/>
+                  </a:ext>
+                </a:extLst>
+              </a:tr>
+              <a:tr h="419171">
+                <a:tc vMerge="1">
+                  <a:txBody>
+                    <a:bodyPr/>
+                    <a:lstStyle/>
+                    <a:p>
+                      <a:endParaRPr lang="en-ID" dirty="0"/>
+                    </a:p>
+                  </a:txBody>
+                  <a:tcPr/>
+                </a:tc>
+                <a:tc>
+                  <a:txBody>
+                    <a:bodyPr/>
+                    <a:lstStyle/>
+                    <a:p>
+                      <a:endParaRPr lang="en-ID"/>
                     </a:p>
                   </a:txBody>
                   <a:tcPr/>
@@ -9758,109 +7275,6 @@
                         <a:rPr lang="en-ID" dirty="0"/>
                         <a:t> </a:t>
                       </a:r>
-                    </a:p>
-                  </a:txBody>
-                  <a:tcPr/>
-                </a:tc>
-                <a:extLst>
-                  <a:ext uri="{0D108BD9-81ED-4DB2-BD59-A6C34878D82A}">
-                    <a16:rowId xmlns:a16="http://schemas.microsoft.com/office/drawing/2014/main" val="3669866060"/>
-                  </a:ext>
-                </a:extLst>
-              </a:tr>
-              <a:tr h="419171">
-                <a:tc vMerge="1">
-                  <a:txBody>
-                    <a:bodyPr/>
-                    <a:lstStyle/>
-                    <a:p>
-                      <a:endParaRPr lang="en-ID" dirty="0"/>
-                    </a:p>
-                  </a:txBody>
-                  <a:tcPr/>
-                </a:tc>
-                <a:tc>
-                  <a:txBody>
-                    <a:bodyPr/>
-                    <a:lstStyle/>
-                    <a:p>
-                      <a:endParaRPr lang="en-ID"/>
-                    </a:p>
-                  </a:txBody>
-                  <a:tcPr/>
-                </a:tc>
-                <a:tc>
-                  <a:txBody>
-                    <a:bodyPr/>
-                    <a:lstStyle/>
-                    <a:p>
-                      <a:pPr marL="0" marR="0" lvl="0" indent="0" algn="l" defTabSz="914400" rtl="0" eaLnBrk="1" fontAlgn="auto" latinLnBrk="0" hangingPunct="1">
-                        <a:lnSpc>
-                          <a:spcPct val="100000"/>
-                        </a:lnSpc>
-                        <a:spcBef>
-                          <a:spcPts val="0"/>
-                        </a:spcBef>
-                        <a:spcAft>
-                          <a:spcPts val="0"/>
-                        </a:spcAft>
-                        <a:buClrTx/>
-                        <a:buSzTx/>
-                        <a:buFontTx/>
-                        <a:buNone/>
-                        <a:tabLst/>
-                        <a:defRPr/>
-                      </a:pPr>
-                      <a:r>
-                        <a:rPr lang="en-ID" dirty="0" err="1">
-                          <a:highlight>
-                            <a:srgbClr val="FFFF00"/>
-                          </a:highlight>
-                        </a:rPr>
-                        <a:t>arm_circumference</a:t>
-                      </a:r>
-                      <a:endParaRPr lang="en-ID" dirty="0">
-                        <a:highlight>
-                          <a:srgbClr val="FFFF00"/>
-                        </a:highlight>
-                      </a:endParaRPr>
-                    </a:p>
-                  </a:txBody>
-                  <a:tcPr/>
-                </a:tc>
-                <a:extLst>
-                  <a:ext uri="{0D108BD9-81ED-4DB2-BD59-A6C34878D82A}">
-                    <a16:rowId xmlns:a16="http://schemas.microsoft.com/office/drawing/2014/main" val="2682708679"/>
-                  </a:ext>
-                </a:extLst>
-              </a:tr>
-              <a:tr h="419171">
-                <a:tc vMerge="1">
-                  <a:txBody>
-                    <a:bodyPr/>
-                    <a:lstStyle/>
-                    <a:p>
-                      <a:endParaRPr lang="en-ID" dirty="0"/>
-                    </a:p>
-                  </a:txBody>
-                  <a:tcPr/>
-                </a:tc>
-                <a:tc>
-                  <a:txBody>
-                    <a:bodyPr/>
-                    <a:lstStyle/>
-                    <a:p>
-                      <a:endParaRPr lang="en-ID"/>
-                    </a:p>
-                  </a:txBody>
-                  <a:tcPr/>
-                </a:tc>
-                <a:tc>
-                  <a:txBody>
-                    <a:bodyPr/>
-                    <a:lstStyle/>
-                    <a:p>
-                      <a:endParaRPr lang="en-ID" dirty="0"/>
                     </a:p>
                   </a:txBody>
                   <a:tcPr/>
